--- a/planning_docs/site-mock-up-v1.pptx
+++ b/planning_docs/site-mock-up-v1.pptx
@@ -113,6 +113,11 @@
       </a:defRPr>
     </a:lvl9pPr>
   </p:defaultTextStyle>
+  <p:extLst>
+    <p:ext uri="{EFAFB233-063F-42B5-8137-9DF3F51BA10A}">
+      <p15:sldGuideLst xmlns:p15="http://schemas.microsoft.com/office/powerpoint/2012/main"/>
+    </p:ext>
+  </p:extLst>
 </p:presentation>
 </file>
 
@@ -198,7 +203,7 @@
           <a:p>
             <a:fld id="{3C9D58D5-F324-F849-8B4C-27C4F43A2679}" type="datetimeFigureOut">
               <a:rPr lang="en-US" smtClean="0"/>
-              <a:t>8/19/21</a:t>
+              <a:t>8/20/21</a:t>
             </a:fld>
             <a:endParaRPr lang="en-US"/>
           </a:p>
@@ -1184,7 +1189,7 @@
           <a:p>
             <a:fld id="{C2A94B31-431E-3A46-BCA7-D3ED30BCC188}" type="datetimeFigureOut">
               <a:rPr lang="en-US" smtClean="0"/>
-              <a:t>8/18/21</a:t>
+              <a:t>8/20/21</a:t>
             </a:fld>
             <a:endParaRPr lang="en-US"/>
           </a:p>
@@ -1354,7 +1359,7 @@
           <a:p>
             <a:fld id="{C2A94B31-431E-3A46-BCA7-D3ED30BCC188}" type="datetimeFigureOut">
               <a:rPr lang="en-US" smtClean="0"/>
-              <a:t>8/18/21</a:t>
+              <a:t>8/20/21</a:t>
             </a:fld>
             <a:endParaRPr lang="en-US"/>
           </a:p>
@@ -1534,7 +1539,7 @@
           <a:p>
             <a:fld id="{C2A94B31-431E-3A46-BCA7-D3ED30BCC188}" type="datetimeFigureOut">
               <a:rPr lang="en-US" smtClean="0"/>
-              <a:t>8/18/21</a:t>
+              <a:t>8/20/21</a:t>
             </a:fld>
             <a:endParaRPr lang="en-US"/>
           </a:p>
@@ -1704,7 +1709,7 @@
           <a:p>
             <a:fld id="{C2A94B31-431E-3A46-BCA7-D3ED30BCC188}" type="datetimeFigureOut">
               <a:rPr lang="en-US" smtClean="0"/>
-              <a:t>8/18/21</a:t>
+              <a:t>8/20/21</a:t>
             </a:fld>
             <a:endParaRPr lang="en-US"/>
           </a:p>
@@ -1948,7 +1953,7 @@
           <a:p>
             <a:fld id="{C2A94B31-431E-3A46-BCA7-D3ED30BCC188}" type="datetimeFigureOut">
               <a:rPr lang="en-US" smtClean="0"/>
-              <a:t>8/18/21</a:t>
+              <a:t>8/20/21</a:t>
             </a:fld>
             <a:endParaRPr lang="en-US"/>
           </a:p>
@@ -2180,7 +2185,7 @@
           <a:p>
             <a:fld id="{C2A94B31-431E-3A46-BCA7-D3ED30BCC188}" type="datetimeFigureOut">
               <a:rPr lang="en-US" smtClean="0"/>
-              <a:t>8/18/21</a:t>
+              <a:t>8/20/21</a:t>
             </a:fld>
             <a:endParaRPr lang="en-US"/>
           </a:p>
@@ -2547,7 +2552,7 @@
           <a:p>
             <a:fld id="{C2A94B31-431E-3A46-BCA7-D3ED30BCC188}" type="datetimeFigureOut">
               <a:rPr lang="en-US" smtClean="0"/>
-              <a:t>8/18/21</a:t>
+              <a:t>8/20/21</a:t>
             </a:fld>
             <a:endParaRPr lang="en-US"/>
           </a:p>
@@ -2665,7 +2670,7 @@
           <a:p>
             <a:fld id="{C2A94B31-431E-3A46-BCA7-D3ED30BCC188}" type="datetimeFigureOut">
               <a:rPr lang="en-US" smtClean="0"/>
-              <a:t>8/18/21</a:t>
+              <a:t>8/20/21</a:t>
             </a:fld>
             <a:endParaRPr lang="en-US"/>
           </a:p>
@@ -2760,7 +2765,7 @@
           <a:p>
             <a:fld id="{C2A94B31-431E-3A46-BCA7-D3ED30BCC188}" type="datetimeFigureOut">
               <a:rPr lang="en-US" smtClean="0"/>
-              <a:t>8/18/21</a:t>
+              <a:t>8/20/21</a:t>
             </a:fld>
             <a:endParaRPr lang="en-US"/>
           </a:p>
@@ -3037,7 +3042,7 @@
           <a:p>
             <a:fld id="{C2A94B31-431E-3A46-BCA7-D3ED30BCC188}" type="datetimeFigureOut">
               <a:rPr lang="en-US" smtClean="0"/>
-              <a:t>8/18/21</a:t>
+              <a:t>8/20/21</a:t>
             </a:fld>
             <a:endParaRPr lang="en-US"/>
           </a:p>
@@ -3294,7 +3299,7 @@
           <a:p>
             <a:fld id="{C2A94B31-431E-3A46-BCA7-D3ED30BCC188}" type="datetimeFigureOut">
               <a:rPr lang="en-US" smtClean="0"/>
-              <a:t>8/18/21</a:t>
+              <a:t>8/20/21</a:t>
             </a:fld>
             <a:endParaRPr lang="en-US"/>
           </a:p>
@@ -3507,7 +3512,7 @@
           <a:p>
             <a:fld id="{C2A94B31-431E-3A46-BCA7-D3ED30BCC188}" type="datetimeFigureOut">
               <a:rPr lang="en-US" smtClean="0"/>
-              <a:t>8/18/21</a:t>
+              <a:t>8/20/21</a:t>
             </a:fld>
             <a:endParaRPr lang="en-US"/>
           </a:p>
@@ -5925,7 +5930,7 @@
         </p:nvSpPr>
         <p:spPr>
           <a:xfrm>
-            <a:off x="445168" y="3702019"/>
+            <a:off x="438484" y="3555954"/>
             <a:ext cx="3429000" cy="2031325"/>
           </a:xfrm>
           <a:prstGeom prst="rect">
@@ -6034,7 +6039,7 @@
         </p:nvSpPr>
         <p:spPr>
           <a:xfrm>
-            <a:off x="3537283" y="3426436"/>
+            <a:off x="3530599" y="3280371"/>
             <a:ext cx="3429000" cy="1754326"/>
           </a:xfrm>
           <a:prstGeom prst="rect">
@@ -6108,60 +6113,6 @@
               <a:t>10. Data point 10:</a:t>
             </a:r>
             <a:endParaRPr lang="en-US" dirty="0"/>
-          </a:p>
-        </p:txBody>
-      </p:sp>
-      <p:sp>
-        <p:nvSpPr>
-          <p:cNvPr id="6" name="Rectangle 5">
-            <a:extLst>
-              <a:ext uri="{FF2B5EF4-FFF2-40B4-BE49-F238E27FC236}">
-                <a16:creationId xmlns:a16="http://schemas.microsoft.com/office/drawing/2014/main" id="{A678DB2F-D068-D34B-941C-1D6FCD7536F4}"/>
-              </a:ext>
-            </a:extLst>
-          </p:cNvPr>
-          <p:cNvSpPr/>
-          <p:nvPr/>
-        </p:nvSpPr>
-        <p:spPr>
-          <a:xfrm>
-            <a:off x="4745558" y="8838419"/>
-            <a:ext cx="1980094" cy="369332"/>
-          </a:xfrm>
-          <a:prstGeom prst="rect">
-            <a:avLst/>
-          </a:prstGeom>
-        </p:spPr>
-        <p:txBody>
-          <a:bodyPr wrap="none">
-            <a:spAutoFit/>
-          </a:bodyPr>
-          <a:lstStyle/>
-          <a:p>
-            <a:r>
-              <a:rPr lang="en-US" dirty="0">
-                <a:solidFill>
-                  <a:srgbClr val="062EAB"/>
-                </a:solidFill>
-              </a:rPr>
-              <a:t>(</a:t>
-            </a:r>
-            <a:r>
-              <a:rPr lang="en-US" baseline="30000" dirty="0">
-                <a:solidFill>
-                  <a:srgbClr val="062EAB"/>
-                </a:solidFill>
-              </a:rPr>
-              <a:t>1 </a:t>
-            </a:r>
-            <a:r>
-              <a:rPr lang="en-US" dirty="0">
-                <a:solidFill>
-                  <a:srgbClr val="062EAB"/>
-                </a:solidFill>
-              </a:rPr>
-              <a:t>full citation here)</a:t>
-            </a:r>
           </a:p>
         </p:txBody>
       </p:sp>
@@ -6272,7 +6223,54 @@
                   <a:srgbClr val="062EAB"/>
                 </a:solidFill>
               </a:rPr>
-              <a:t>Results: </a:t>
+              <a:t>Results:</a:t>
+            </a:r>
+          </a:p>
+          <a:p>
+            <a:endParaRPr lang="en-US" b="1" dirty="0">
+              <a:solidFill>
+                <a:srgbClr val="062EAB"/>
+              </a:solidFill>
+            </a:endParaRPr>
+          </a:p>
+          <a:p>
+            <a:r>
+              <a:rPr lang="en-US" b="1" dirty="0">
+                <a:solidFill>
+                  <a:srgbClr val="062EAB"/>
+                </a:solidFill>
+              </a:rPr>
+              <a:t>Produce RED / GREEN icon depending on result, with a </a:t>
+            </a:r>
+            <a:r>
+              <a:rPr lang="en-US" b="1">
+                <a:solidFill>
+                  <a:srgbClr val="062EAB"/>
+                </a:solidFill>
+              </a:rPr>
+              <a:t>numeric percent</a:t>
+            </a:r>
+            <a:endParaRPr lang="en-US" b="1" dirty="0">
+              <a:solidFill>
+                <a:srgbClr val="062EAB"/>
+              </a:solidFill>
+            </a:endParaRPr>
+          </a:p>
+          <a:p>
+            <a:endParaRPr lang="en-US" b="1" dirty="0">
+              <a:solidFill>
+                <a:srgbClr val="062EAB"/>
+              </a:solidFill>
+            </a:endParaRPr>
+          </a:p>
+          <a:p>
+            <a:r>
+              <a:rPr lang="en-US" b="1" dirty="0">
+                <a:solidFill>
+                  <a:srgbClr val="062EAB"/>
+                </a:solidFill>
+              </a:rPr>
+              <a:t>Can it produce a dashboard? </a:t>
             </a:r>
             <a:endParaRPr lang="en-US" dirty="0">
               <a:solidFill>
@@ -6291,10 +6289,10 @@
       </p:sp>
       <p:sp>
         <p:nvSpPr>
-          <p:cNvPr id="31" name="Rectangle 30">
+          <p:cNvPr id="12" name="Rounded Rectangle 11">
             <a:extLst>
               <a:ext uri="{FF2B5EF4-FFF2-40B4-BE49-F238E27FC236}">
-                <a16:creationId xmlns:a16="http://schemas.microsoft.com/office/drawing/2014/main" id="{2FA44050-1266-AC41-AA6A-734B716263CC}"/>
+                <a16:creationId xmlns:a16="http://schemas.microsoft.com/office/drawing/2014/main" id="{DFBAC41B-3676-2E4B-9CC8-7162D2E58078}"/>
               </a:ext>
             </a:extLst>
           </p:cNvPr>
@@ -6303,16 +6301,16 @@
         </p:nvSpPr>
         <p:spPr>
           <a:xfrm>
-            <a:off x="0" y="9720951"/>
-            <a:ext cx="6858000" cy="513200"/>
-          </a:xfrm>
-          <a:prstGeom prst="rect">
+            <a:off x="275654" y="8212078"/>
+            <a:ext cx="1884014" cy="1773315"/>
+          </a:xfrm>
+          <a:prstGeom prst="roundRect">
             <a:avLst/>
           </a:prstGeom>
           <a:solidFill>
-            <a:schemeClr val="tx1">
-              <a:lumMod val="50000"/>
-              <a:lumOff val="50000"/>
+            <a:schemeClr val="accent1">
+              <a:lumMod val="20000"/>
+              <a:lumOff val="80000"/>
             </a:schemeClr>
           </a:solidFill>
         </p:spPr>
@@ -6333,17 +6331,432 @@
           </a:fontRef>
         </p:style>
         <p:txBody>
-          <a:bodyPr rtlCol="0" anchor="ctr"/>
-          <a:lstStyle/>
-          <a:p>
-            <a:pPr>
-              <a:tabLst>
-                <a:tab pos="6624638" algn="r"/>
-              </a:tabLst>
+          <a:bodyPr rtlCol="0" anchor="t"/>
+          <a:lstStyle/>
+          <a:p>
+            <a:r>
+              <a:rPr lang="en-US" b="1" dirty="0">
+                <a:solidFill>
+                  <a:srgbClr val="062EAB"/>
+                </a:solidFill>
+              </a:rPr>
+              <a:t>Case 1: Juanita Perez</a:t>
+            </a:r>
+          </a:p>
+          <a:p>
+            <a:endParaRPr lang="en-US" b="1" dirty="0">
+              <a:solidFill>
+                <a:srgbClr val="062EAB"/>
+              </a:solidFill>
+            </a:endParaRPr>
+          </a:p>
+          <a:p>
+            <a:r>
+              <a:rPr lang="en-US" b="1" dirty="0">
+                <a:solidFill>
+                  <a:srgbClr val="062EAB"/>
+                </a:solidFill>
+              </a:rPr>
+              <a:t>Narrative about her.  </a:t>
+            </a:r>
+            <a:endParaRPr lang="en-US" dirty="0">
+              <a:solidFill>
+                <a:srgbClr val="062EAB"/>
+              </a:solidFill>
+            </a:endParaRPr>
+          </a:p>
+          <a:p>
+            <a:endParaRPr lang="en-US" dirty="0">
+              <a:solidFill>
+                <a:srgbClr val="062EAB"/>
+              </a:solidFill>
+            </a:endParaRPr>
+          </a:p>
+        </p:txBody>
+      </p:sp>
+      <p:sp>
+        <p:nvSpPr>
+          <p:cNvPr id="13" name="Rounded Rectangle 12">
+            <a:extLst>
+              <a:ext uri="{FF2B5EF4-FFF2-40B4-BE49-F238E27FC236}">
+                <a16:creationId xmlns:a16="http://schemas.microsoft.com/office/drawing/2014/main" id="{8734ECC5-BB11-7C4A-A1F9-1630A8E35D33}"/>
+              </a:ext>
+            </a:extLst>
+          </p:cNvPr>
+          <p:cNvSpPr/>
+          <p:nvPr/>
+        </p:nvSpPr>
+        <p:spPr>
+          <a:xfrm>
+            <a:off x="2667198" y="8212078"/>
+            <a:ext cx="1884014" cy="1773315"/>
+          </a:xfrm>
+          <a:prstGeom prst="roundRect">
+            <a:avLst/>
+          </a:prstGeom>
+          <a:solidFill>
+            <a:schemeClr val="accent1">
+              <a:lumMod val="20000"/>
+              <a:lumOff val="80000"/>
+            </a:schemeClr>
+          </a:solidFill>
+        </p:spPr>
+        <p:style>
+          <a:lnRef idx="2">
+            <a:schemeClr val="accent1">
+              <a:shade val="50000"/>
+            </a:schemeClr>
+          </a:lnRef>
+          <a:fillRef idx="1">
+            <a:schemeClr val="accent1"/>
+          </a:fillRef>
+          <a:effectRef idx="0">
+            <a:schemeClr val="accent1"/>
+          </a:effectRef>
+          <a:fontRef idx="minor">
+            <a:schemeClr val="lt1"/>
+          </a:fontRef>
+        </p:style>
+        <p:txBody>
+          <a:bodyPr rtlCol="0" anchor="t"/>
+          <a:lstStyle/>
+          <a:p>
+            <a:r>
+              <a:rPr lang="en-US" b="1" dirty="0">
+                <a:solidFill>
+                  <a:srgbClr val="062EAB"/>
+                </a:solidFill>
+              </a:rPr>
+              <a:t>Case 2: Juanita Perez</a:t>
+            </a:r>
+          </a:p>
+          <a:p>
+            <a:endParaRPr lang="en-US" b="1" dirty="0">
+              <a:solidFill>
+                <a:srgbClr val="062EAB"/>
+              </a:solidFill>
+            </a:endParaRPr>
+          </a:p>
+          <a:p>
+            <a:r>
+              <a:rPr lang="en-US" b="1" dirty="0">
+                <a:solidFill>
+                  <a:srgbClr val="062EAB"/>
+                </a:solidFill>
+              </a:rPr>
+              <a:t>Narrative about her.  </a:t>
+            </a:r>
+            <a:endParaRPr lang="en-US" dirty="0">
+              <a:solidFill>
+                <a:srgbClr val="062EAB"/>
+              </a:solidFill>
+            </a:endParaRPr>
+          </a:p>
+          <a:p>
+            <a:endParaRPr lang="en-US" dirty="0">
+              <a:solidFill>
+                <a:srgbClr val="062EAB"/>
+              </a:solidFill>
+            </a:endParaRPr>
+          </a:p>
+        </p:txBody>
+      </p:sp>
+      <p:sp>
+        <p:nvSpPr>
+          <p:cNvPr id="14" name="Rounded Rectangle 13">
+            <a:extLst>
+              <a:ext uri="{FF2B5EF4-FFF2-40B4-BE49-F238E27FC236}">
+                <a16:creationId xmlns:a16="http://schemas.microsoft.com/office/drawing/2014/main" id="{682327B3-C480-EA4C-95AA-DCC034AAF5EC}"/>
+              </a:ext>
+            </a:extLst>
+          </p:cNvPr>
+          <p:cNvSpPr/>
+          <p:nvPr/>
+        </p:nvSpPr>
+        <p:spPr>
+          <a:xfrm>
+            <a:off x="5058742" y="8212077"/>
+            <a:ext cx="1884014" cy="1773315"/>
+          </a:xfrm>
+          <a:prstGeom prst="roundRect">
+            <a:avLst/>
+          </a:prstGeom>
+          <a:solidFill>
+            <a:schemeClr val="accent1">
+              <a:lumMod val="20000"/>
+              <a:lumOff val="80000"/>
+            </a:schemeClr>
+          </a:solidFill>
+        </p:spPr>
+        <p:style>
+          <a:lnRef idx="2">
+            <a:schemeClr val="accent1">
+              <a:shade val="50000"/>
+            </a:schemeClr>
+          </a:lnRef>
+          <a:fillRef idx="1">
+            <a:schemeClr val="accent1"/>
+          </a:fillRef>
+          <a:effectRef idx="0">
+            <a:schemeClr val="accent1"/>
+          </a:effectRef>
+          <a:fontRef idx="minor">
+            <a:schemeClr val="lt1"/>
+          </a:fontRef>
+        </p:style>
+        <p:txBody>
+          <a:bodyPr rtlCol="0" anchor="t"/>
+          <a:lstStyle/>
+          <a:p>
+            <a:r>
+              <a:rPr lang="en-US" b="1" dirty="0">
+                <a:solidFill>
+                  <a:srgbClr val="062EAB"/>
+                </a:solidFill>
+              </a:rPr>
+              <a:t>Case 3: Juanita Perez</a:t>
+            </a:r>
+          </a:p>
+          <a:p>
+            <a:endParaRPr lang="en-US" b="1" dirty="0">
+              <a:solidFill>
+                <a:srgbClr val="062EAB"/>
+              </a:solidFill>
+            </a:endParaRPr>
+          </a:p>
+          <a:p>
+            <a:r>
+              <a:rPr lang="en-US" b="1" dirty="0">
+                <a:solidFill>
+                  <a:srgbClr val="062EAB"/>
+                </a:solidFill>
+              </a:rPr>
+              <a:t>Narrative about her.  </a:t>
+            </a:r>
+            <a:endParaRPr lang="en-US" dirty="0">
+              <a:solidFill>
+                <a:srgbClr val="062EAB"/>
+              </a:solidFill>
+            </a:endParaRPr>
+          </a:p>
+          <a:p>
+            <a:endParaRPr lang="en-US" dirty="0">
+              <a:solidFill>
+                <a:srgbClr val="062EAB"/>
+              </a:solidFill>
+            </a:endParaRPr>
+          </a:p>
+        </p:txBody>
+      </p:sp>
+      <p:sp>
+        <p:nvSpPr>
+          <p:cNvPr id="15" name="Rounded Rectangle 14">
+            <a:extLst>
+              <a:ext uri="{FF2B5EF4-FFF2-40B4-BE49-F238E27FC236}">
+                <a16:creationId xmlns:a16="http://schemas.microsoft.com/office/drawing/2014/main" id="{2F87159A-2485-474A-AC4E-13A9D196BE79}"/>
+              </a:ext>
+            </a:extLst>
+          </p:cNvPr>
+          <p:cNvSpPr/>
+          <p:nvPr/>
+        </p:nvSpPr>
+        <p:spPr>
+          <a:xfrm>
+            <a:off x="204537" y="10127508"/>
+            <a:ext cx="6521115" cy="1921891"/>
+          </a:xfrm>
+          <a:prstGeom prst="roundRect">
+            <a:avLst/>
+          </a:prstGeom>
+          <a:solidFill>
+            <a:schemeClr val="accent1">
+              <a:lumMod val="20000"/>
+              <a:lumOff val="80000"/>
+            </a:schemeClr>
+          </a:solidFill>
+        </p:spPr>
+        <p:style>
+          <a:lnRef idx="2">
+            <a:schemeClr val="accent1">
+              <a:shade val="50000"/>
+            </a:schemeClr>
+          </a:lnRef>
+          <a:fillRef idx="1">
+            <a:schemeClr val="accent1"/>
+          </a:fillRef>
+          <a:effectRef idx="0">
+            <a:schemeClr val="accent1"/>
+          </a:effectRef>
+          <a:fontRef idx="minor">
+            <a:schemeClr val="lt1"/>
+          </a:fontRef>
+        </p:style>
+        <p:txBody>
+          <a:bodyPr rtlCol="0" anchor="t"/>
+          <a:lstStyle/>
+          <a:p>
+            <a:r>
+              <a:rPr lang="en-US" b="1" dirty="0">
+                <a:solidFill>
+                  <a:srgbClr val="062EAB"/>
+                </a:solidFill>
+              </a:rPr>
+              <a:t>Example Reports: </a:t>
+            </a:r>
+            <a:endParaRPr lang="en-US" dirty="0">
+              <a:solidFill>
+                <a:srgbClr val="062EAB"/>
+              </a:solidFill>
+            </a:endParaRPr>
+          </a:p>
+          <a:p>
+            <a:endParaRPr lang="en-US" dirty="0">
+              <a:solidFill>
+                <a:srgbClr val="062EAB"/>
+              </a:solidFill>
+            </a:endParaRPr>
+          </a:p>
+        </p:txBody>
+      </p:sp>
+      <p:sp>
+        <p:nvSpPr>
+          <p:cNvPr id="18" name="Rectangle 17">
+            <a:extLst>
+              <a:ext uri="{FF2B5EF4-FFF2-40B4-BE49-F238E27FC236}">
+                <a16:creationId xmlns:a16="http://schemas.microsoft.com/office/drawing/2014/main" id="{532F9CDB-6900-4B4B-82A5-320D0012C26A}"/>
+              </a:ext>
+            </a:extLst>
+          </p:cNvPr>
+          <p:cNvSpPr/>
+          <p:nvPr/>
+        </p:nvSpPr>
+        <p:spPr>
+          <a:xfrm>
+            <a:off x="634144" y="10520764"/>
+            <a:ext cx="3429000" cy="1200329"/>
+          </a:xfrm>
+          <a:prstGeom prst="rect">
+            <a:avLst/>
+          </a:prstGeom>
+        </p:spPr>
+        <p:txBody>
+          <a:bodyPr>
+            <a:spAutoFit/>
+          </a:bodyPr>
+          <a:lstStyle/>
+          <a:p>
+            <a:pPr fontAlgn="base">
+              <a:buFont typeface="+mj-lt"/>
+              <a:buAutoNum type="arabicPeriod"/>
             </a:pPr>
             <a:r>
-              <a:rPr lang="en-US" sz="1400" dirty="0"/>
-              <a:t>Copyright 2021	</a:t>
+              <a:rPr lang="en-US" dirty="0">
+                <a:solidFill>
+                  <a:srgbClr val="595959"/>
+                </a:solidFill>
+                <a:latin typeface="Arial" panose="020B0604020202020204" pitchFamily="34" charset="0"/>
+              </a:rPr>
+              <a:t> Top X risks</a:t>
+            </a:r>
+          </a:p>
+          <a:p>
+            <a:pPr fontAlgn="base"/>
+            <a:r>
+              <a:rPr lang="en-US" dirty="0">
+                <a:solidFill>
+                  <a:srgbClr val="595959"/>
+                </a:solidFill>
+                <a:latin typeface="Arial" panose="020B0604020202020204" pitchFamily="34" charset="0"/>
+              </a:rPr>
+              <a:t>(enter the number you want and it runs the query) </a:t>
+            </a:r>
+          </a:p>
+          <a:p>
+            <a:pPr fontAlgn="base"/>
+            <a:endParaRPr lang="en-US" dirty="0"/>
+          </a:p>
+        </p:txBody>
+      </p:sp>
+      <p:sp>
+        <p:nvSpPr>
+          <p:cNvPr id="20" name="Rectangle 19">
+            <a:extLst>
+              <a:ext uri="{FF2B5EF4-FFF2-40B4-BE49-F238E27FC236}">
+                <a16:creationId xmlns:a16="http://schemas.microsoft.com/office/drawing/2014/main" id="{06973FCF-389E-4249-A9B9-A906739138BB}"/>
+              </a:ext>
+            </a:extLst>
+          </p:cNvPr>
+          <p:cNvSpPr/>
+          <p:nvPr/>
+        </p:nvSpPr>
+        <p:spPr>
+          <a:xfrm>
+            <a:off x="4063143" y="10245181"/>
+            <a:ext cx="3092115" cy="646331"/>
+          </a:xfrm>
+          <a:prstGeom prst="rect">
+            <a:avLst/>
+          </a:prstGeom>
+        </p:spPr>
+        <p:txBody>
+          <a:bodyPr wrap="square">
+            <a:spAutoFit/>
+          </a:bodyPr>
+          <a:lstStyle/>
+          <a:p>
+            <a:br>
+              <a:rPr lang="en-US" dirty="0"/>
+            </a:br>
+            <a:r>
+              <a:rPr lang="en-US" dirty="0">
+                <a:solidFill>
+                  <a:srgbClr val="595959"/>
+                </a:solidFill>
+                <a:latin typeface="Arial" panose="020B0604020202020204" pitchFamily="34" charset="0"/>
+              </a:rPr>
+              <a:t>2.  </a:t>
+            </a:r>
+            <a:endParaRPr lang="en-US" dirty="0"/>
+          </a:p>
+        </p:txBody>
+      </p:sp>
+      <p:sp>
+        <p:nvSpPr>
+          <p:cNvPr id="8" name="TextBox 7">
+            <a:extLst>
+              <a:ext uri="{FF2B5EF4-FFF2-40B4-BE49-F238E27FC236}">
+                <a16:creationId xmlns:a16="http://schemas.microsoft.com/office/drawing/2014/main" id="{6F1714FC-8B49-E740-8D6A-A40034212709}"/>
+              </a:ext>
+            </a:extLst>
+          </p:cNvPr>
+          <p:cNvSpPr txBox="1"/>
+          <p:nvPr/>
+        </p:nvSpPr>
+        <p:spPr>
+          <a:xfrm>
+            <a:off x="4423196" y="5039906"/>
+            <a:ext cx="980908" cy="369332"/>
+          </a:xfrm>
+          <a:prstGeom prst="rect">
+            <a:avLst/>
+          </a:prstGeom>
+          <a:solidFill>
+            <a:schemeClr val="tx2"/>
+          </a:solidFill>
+        </p:spPr>
+        <p:txBody>
+          <a:bodyPr wrap="square" rtlCol="0">
+            <a:spAutoFit/>
+          </a:bodyPr>
+          <a:lstStyle/>
+          <a:p>
+            <a:r>
+              <a:rPr lang="en-US" dirty="0">
+                <a:solidFill>
+                  <a:schemeClr val="bg1"/>
+                </a:solidFill>
+              </a:rPr>
+              <a:t>Submit</a:t>
             </a:r>
           </a:p>
         </p:txBody>

--- a/planning_docs/site-mock-up-v1.pptx
+++ b/planning_docs/site-mock-up-v1.pptx
@@ -5,16 +5,17 @@
     <p:sldMasterId id="2147483660" r:id="rId1"/>
   </p:sldMasterIdLst>
   <p:notesMasterIdLst>
-    <p:notesMasterId r:id="rId9"/>
+    <p:notesMasterId r:id="rId10"/>
   </p:notesMasterIdLst>
   <p:sldIdLst>
     <p:sldId id="263" r:id="rId2"/>
-    <p:sldId id="262" r:id="rId3"/>
-    <p:sldId id="258" r:id="rId4"/>
-    <p:sldId id="259" r:id="rId5"/>
-    <p:sldId id="260" r:id="rId6"/>
-    <p:sldId id="261" r:id="rId7"/>
-    <p:sldId id="257" r:id="rId8"/>
+    <p:sldId id="264" r:id="rId3"/>
+    <p:sldId id="262" r:id="rId4"/>
+    <p:sldId id="258" r:id="rId5"/>
+    <p:sldId id="259" r:id="rId6"/>
+    <p:sldId id="260" r:id="rId7"/>
+    <p:sldId id="261" r:id="rId8"/>
+    <p:sldId id="257" r:id="rId9"/>
   </p:sldIdLst>
   <p:sldSz cx="6858000" cy="12192000"/>
   <p:notesSz cx="6858000" cy="9144000"/>
@@ -619,7 +620,7 @@
           <a:p>
             <a:fld id="{75D38BC3-17D1-2E43-BCDF-DE8C7ED5FF5D}" type="slidenum">
               <a:rPr lang="en-US" smtClean="0"/>
-              <a:t>2</a:t>
+              <a:t>3</a:t>
             </a:fld>
             <a:endParaRPr lang="en-US"/>
           </a:p>
@@ -703,7 +704,7 @@
           <a:p>
             <a:fld id="{75D38BC3-17D1-2E43-BCDF-DE8C7ED5FF5D}" type="slidenum">
               <a:rPr lang="en-US" smtClean="0"/>
-              <a:t>3</a:t>
+              <a:t>4</a:t>
             </a:fld>
             <a:endParaRPr lang="en-US"/>
           </a:p>
@@ -787,7 +788,7 @@
           <a:p>
             <a:fld id="{75D38BC3-17D1-2E43-BCDF-DE8C7ED5FF5D}" type="slidenum">
               <a:rPr lang="en-US" smtClean="0"/>
-              <a:t>4</a:t>
+              <a:t>5</a:t>
             </a:fld>
             <a:endParaRPr lang="en-US"/>
           </a:p>
@@ -871,7 +872,7 @@
           <a:p>
             <a:fld id="{75D38BC3-17D1-2E43-BCDF-DE8C7ED5FF5D}" type="slidenum">
               <a:rPr lang="en-US" smtClean="0"/>
-              <a:t>5</a:t>
+              <a:t>6</a:t>
             </a:fld>
             <a:endParaRPr lang="en-US"/>
           </a:p>
@@ -955,7 +956,7 @@
           <a:p>
             <a:fld id="{75D38BC3-17D1-2E43-BCDF-DE8C7ED5FF5D}" type="slidenum">
               <a:rPr lang="en-US" smtClean="0"/>
-              <a:t>6</a:t>
+              <a:t>7</a:t>
             </a:fld>
             <a:endParaRPr lang="en-US"/>
           </a:p>
@@ -1039,7 +1040,7 @@
           <a:p>
             <a:fld id="{75D38BC3-17D1-2E43-BCDF-DE8C7ED5FF5D}" type="slidenum">
               <a:rPr lang="en-US" smtClean="0"/>
-              <a:t>7</a:t>
+              <a:t>8</a:t>
             </a:fld>
             <a:endParaRPr lang="en-US"/>
           </a:p>
@@ -4779,84 +4780,12 @@
           <a:chExt cx="0" cy="0"/>
         </a:xfrm>
       </p:grpSpPr>
-      <p:pic>
-        <p:nvPicPr>
-          <p:cNvPr id="5" name="Picture 4">
+      <p:sp>
+        <p:nvSpPr>
+          <p:cNvPr id="2" name="TextBox 1">
             <a:extLst>
               <a:ext uri="{FF2B5EF4-FFF2-40B4-BE49-F238E27FC236}">
-                <a16:creationId xmlns:a16="http://schemas.microsoft.com/office/drawing/2014/main" id="{0F60B602-8AF9-304F-B78C-FF393B114832}"/>
-              </a:ext>
-            </a:extLst>
-          </p:cNvPr>
-          <p:cNvPicPr>
-            <a:picLocks noChangeAspect="1"/>
-          </p:cNvPicPr>
-          <p:nvPr/>
-        </p:nvPicPr>
-        <p:blipFill>
-          <a:blip r:embed="rId3"/>
-          <a:stretch>
-            <a:fillRect/>
-          </a:stretch>
-        </p:blipFill>
-        <p:spPr>
-          <a:xfrm>
-            <a:off x="0" y="14177"/>
-            <a:ext cx="6858000" cy="641396"/>
-          </a:xfrm>
-          <a:prstGeom prst="rect">
-            <a:avLst/>
-          </a:prstGeom>
-        </p:spPr>
-      </p:pic>
-      <p:pic>
-        <p:nvPicPr>
-          <p:cNvPr id="7" name="Picture 6">
-            <a:extLst>
-              <a:ext uri="{FF2B5EF4-FFF2-40B4-BE49-F238E27FC236}">
-                <a16:creationId xmlns:a16="http://schemas.microsoft.com/office/drawing/2014/main" id="{5DF7A22D-8B54-AC49-BDFE-C363D5F64067}"/>
-              </a:ext>
-            </a:extLst>
-          </p:cNvPr>
-          <p:cNvPicPr>
-            <a:picLocks noChangeAspect="1"/>
-          </p:cNvPicPr>
-          <p:nvPr/>
-        </p:nvPicPr>
-        <p:blipFill rotWithShape="1">
-          <a:blip r:embed="rId4">
-            <a:alphaModFix/>
-            <a:extLst>
-              <a:ext uri="{BEBA8EAE-BF5A-486C-A8C5-ECC9F3942E4B}">
-                <a14:imgProps xmlns:a14="http://schemas.microsoft.com/office/drawing/2010/main">
-                  <a14:imgLayer r:embed="rId5">
-                    <a14:imgEffect>
-                      <a14:brightnessContrast bright="-66000"/>
-                    </a14:imgEffect>
-                  </a14:imgLayer>
-                </a14:imgProps>
-              </a:ext>
-            </a:extLst>
-          </a:blip>
-          <a:srcRect t="315" b="20986"/>
-          <a:stretch/>
-        </p:blipFill>
-        <p:spPr>
-          <a:xfrm>
-            <a:off x="0" y="1176936"/>
-            <a:ext cx="6858000" cy="4042612"/>
-          </a:xfrm>
-          <a:prstGeom prst="rect">
-            <a:avLst/>
-          </a:prstGeom>
-        </p:spPr>
-      </p:pic>
-      <p:sp>
-        <p:nvSpPr>
-          <p:cNvPr id="8" name="TextBox 7">
-            <a:extLst>
-              <a:ext uri="{FF2B5EF4-FFF2-40B4-BE49-F238E27FC236}">
-                <a16:creationId xmlns:a16="http://schemas.microsoft.com/office/drawing/2014/main" id="{13F551D0-235B-2B42-B9B1-A1827BED0C0F}"/>
+                <a16:creationId xmlns:a16="http://schemas.microsoft.com/office/drawing/2014/main" id="{7D18C587-DFA7-C84B-AAE0-C127DC8F7CDB}"/>
               </a:ext>
             </a:extLst>
           </p:cNvPr>
@@ -4865,65 +4794,40 @@
         </p:nvSpPr>
         <p:spPr>
           <a:xfrm>
-            <a:off x="228601" y="1632142"/>
-            <a:ext cx="6280484" cy="800219"/>
+            <a:off x="566360" y="2589208"/>
+            <a:ext cx="1828800" cy="1828800"/>
           </a:xfrm>
           <a:prstGeom prst="rect">
             <a:avLst/>
           </a:prstGeom>
-          <a:noFill/>
-        </p:spPr>
-        <p:txBody>
-          <a:bodyPr wrap="square" rtlCol="0">
+          <a:solidFill>
+            <a:srgbClr val="4153F1"/>
+          </a:solidFill>
+        </p:spPr>
+        <p:txBody>
+          <a:bodyPr wrap="square" rtlCol="0" anchor="ctr">
             <a:spAutoFit/>
           </a:bodyPr>
           <a:lstStyle/>
           <a:p>
             <a:pPr algn="ctr"/>
             <a:r>
-              <a:rPr lang="en-US" sz="2800" b="1" dirty="0">
+              <a:rPr lang="en-US" sz="4400" dirty="0">
                 <a:solidFill>
                   <a:schemeClr val="bg1"/>
                 </a:solidFill>
               </a:rPr>
-              <a:t>The Talent Retention Predicter App </a:t>
-            </a:r>
-            <a:r>
-              <a:rPr lang="en-US" sz="2800" b="1" baseline="30000" dirty="0">
-                <a:solidFill>
-                  <a:schemeClr val="bg1"/>
-                </a:solidFill>
-              </a:rPr>
-              <a:t>™ </a:t>
-            </a:r>
-            <a:r>
-              <a:rPr lang="en-US" sz="2800" b="1" dirty="0">
-                <a:solidFill>
-                  <a:schemeClr val="bg1"/>
-                </a:solidFill>
-              </a:rPr>
-              <a:t> </a:t>
-            </a:r>
-          </a:p>
-          <a:p>
-            <a:pPr algn="ctr"/>
-            <a:r>
-              <a:rPr lang="en-US" i="1" dirty="0">
-                <a:solidFill>
-                  <a:schemeClr val="bg1"/>
-                </a:solidFill>
-              </a:rPr>
-              <a:t>Identify who is at risk BEFORE it’s too late</a:t>
-            </a:r>
-          </a:p>
-        </p:txBody>
-      </p:sp>
-      <p:sp>
-        <p:nvSpPr>
-          <p:cNvPr id="9" name="TextBox 8">
+              <a:t>TRPA™</a:t>
+            </a:r>
+          </a:p>
+        </p:txBody>
+      </p:sp>
+      <p:sp>
+        <p:nvSpPr>
+          <p:cNvPr id="3" name="TextBox 2">
             <a:extLst>
               <a:ext uri="{FF2B5EF4-FFF2-40B4-BE49-F238E27FC236}">
-                <a16:creationId xmlns:a16="http://schemas.microsoft.com/office/drawing/2014/main" id="{1B22DEAD-6E8E-BB4F-A338-127FE51A658B}"/>
+                <a16:creationId xmlns:a16="http://schemas.microsoft.com/office/drawing/2014/main" id="{81542D59-92FA-204B-83DA-52B67A22BE11}"/>
               </a:ext>
             </a:extLst>
           </p:cNvPr>
@@ -4932,759 +4836,30 @@
         </p:nvSpPr>
         <p:spPr>
           <a:xfrm>
-            <a:off x="866273" y="3499559"/>
-            <a:ext cx="1756611" cy="369332"/>
+            <a:off x="2835264" y="3118886"/>
+            <a:ext cx="1828800" cy="1828800"/>
           </a:xfrm>
           <a:prstGeom prst="rect">
             <a:avLst/>
           </a:prstGeom>
           <a:solidFill>
-            <a:srgbClr val="062EAB"/>
+            <a:srgbClr val="4153F1"/>
           </a:solidFill>
         </p:spPr>
         <p:txBody>
-          <a:bodyPr wrap="square" rtlCol="0">
+          <a:bodyPr wrap="square" rtlCol="0" anchor="ctr">
             <a:spAutoFit/>
           </a:bodyPr>
           <a:lstStyle/>
           <a:p>
             <a:pPr algn="ctr"/>
             <a:r>
-              <a:rPr lang="en-US" dirty="0">
+              <a:rPr lang="en-US" sz="4400" dirty="0">
                 <a:solidFill>
                   <a:schemeClr val="bg1"/>
                 </a:solidFill>
               </a:rPr>
-              <a:t>TRY THE DEMO</a:t>
-            </a:r>
-          </a:p>
-        </p:txBody>
-      </p:sp>
-      <p:sp>
-        <p:nvSpPr>
-          <p:cNvPr id="11" name="TextBox 10">
-            <a:extLst>
-              <a:ext uri="{FF2B5EF4-FFF2-40B4-BE49-F238E27FC236}">
-                <a16:creationId xmlns:a16="http://schemas.microsoft.com/office/drawing/2014/main" id="{744831B4-486A-6841-9A8A-3EA0DE44B63C}"/>
-              </a:ext>
-            </a:extLst>
-          </p:cNvPr>
-          <p:cNvSpPr txBox="1"/>
-          <p:nvPr/>
-        </p:nvSpPr>
-        <p:spPr>
-          <a:xfrm>
-            <a:off x="4018547" y="2945561"/>
-            <a:ext cx="2261937" cy="1477328"/>
-          </a:xfrm>
-          <a:prstGeom prst="rect">
-            <a:avLst/>
-          </a:prstGeom>
-          <a:noFill/>
-        </p:spPr>
-        <p:txBody>
-          <a:bodyPr wrap="square" rtlCol="0">
-            <a:spAutoFit/>
-          </a:bodyPr>
-          <a:lstStyle/>
-          <a:p>
-            <a:r>
-              <a:rPr lang="en-US" dirty="0">
-                <a:solidFill>
-                  <a:schemeClr val="bg1"/>
-                </a:solidFill>
-              </a:rPr>
-              <a:t>Fueled by machine learning, tuned to your organization’s data, to predict who is at risk of leaving</a:t>
-            </a:r>
-          </a:p>
-        </p:txBody>
-      </p:sp>
-      <p:sp>
-        <p:nvSpPr>
-          <p:cNvPr id="12" name="TextBox 11">
-            <a:extLst>
-              <a:ext uri="{FF2B5EF4-FFF2-40B4-BE49-F238E27FC236}">
-                <a16:creationId xmlns:a16="http://schemas.microsoft.com/office/drawing/2014/main" id="{BBF73221-249C-4040-A061-7A88A9942858}"/>
-              </a:ext>
-            </a:extLst>
-          </p:cNvPr>
-          <p:cNvSpPr txBox="1"/>
-          <p:nvPr/>
-        </p:nvSpPr>
-        <p:spPr>
-          <a:xfrm>
-            <a:off x="84220" y="7538574"/>
-            <a:ext cx="1828800" cy="1569660"/>
-          </a:xfrm>
-          <a:prstGeom prst="rect">
-            <a:avLst/>
-          </a:prstGeom>
-          <a:noFill/>
-        </p:spPr>
-        <p:txBody>
-          <a:bodyPr wrap="square" rtlCol="0">
-            <a:spAutoFit/>
-          </a:bodyPr>
-          <a:lstStyle/>
-          <a:p>
-            <a:r>
-              <a:rPr lang="en-US" sz="1600" b="1" dirty="0">
-                <a:solidFill>
-                  <a:schemeClr val="tx1">
-                    <a:lumMod val="75000"/>
-                    <a:lumOff val="25000"/>
-                  </a:schemeClr>
-                </a:solidFill>
-              </a:rPr>
-              <a:t>Predicts with up to 90% accuracy </a:t>
-            </a:r>
-            <a:r>
-              <a:rPr lang="en-US" sz="1600" dirty="0">
-                <a:solidFill>
-                  <a:schemeClr val="tx1">
-                    <a:lumMod val="75000"/>
-                    <a:lumOff val="25000"/>
-                  </a:schemeClr>
-                </a:solidFill>
-              </a:rPr>
-              <a:t>which employees are at risk of leaving so that you can intervene first</a:t>
-            </a:r>
-          </a:p>
-        </p:txBody>
-      </p:sp>
-      <p:sp>
-        <p:nvSpPr>
-          <p:cNvPr id="13" name="TextBox 12">
-            <a:extLst>
-              <a:ext uri="{FF2B5EF4-FFF2-40B4-BE49-F238E27FC236}">
-                <a16:creationId xmlns:a16="http://schemas.microsoft.com/office/drawing/2014/main" id="{530B7875-C750-AE4F-B3C2-43D2A0837E55}"/>
-              </a:ext>
-            </a:extLst>
-          </p:cNvPr>
-          <p:cNvSpPr txBox="1"/>
-          <p:nvPr/>
-        </p:nvSpPr>
-        <p:spPr>
-          <a:xfrm>
-            <a:off x="2514600" y="7538574"/>
-            <a:ext cx="1828800" cy="1077218"/>
-          </a:xfrm>
-          <a:prstGeom prst="rect">
-            <a:avLst/>
-          </a:prstGeom>
-          <a:noFill/>
-        </p:spPr>
-        <p:txBody>
-          <a:bodyPr wrap="square" rtlCol="0">
-            <a:spAutoFit/>
-          </a:bodyPr>
-          <a:lstStyle/>
-          <a:p>
-            <a:r>
-              <a:rPr lang="en-US" sz="1600" b="1" dirty="0">
-                <a:solidFill>
-                  <a:schemeClr val="tx1">
-                    <a:lumMod val="75000"/>
-                    <a:lumOff val="25000"/>
-                  </a:schemeClr>
-                </a:solidFill>
-              </a:rPr>
-              <a:t>Adaptable to your organization’s </a:t>
-            </a:r>
-            <a:r>
-              <a:rPr lang="en-US" sz="1600" dirty="0">
-                <a:solidFill>
-                  <a:schemeClr val="tx1">
-                    <a:lumMod val="75000"/>
-                    <a:lumOff val="25000"/>
-                  </a:schemeClr>
-                </a:solidFill>
-              </a:rPr>
-              <a:t>employee base and organizational goals </a:t>
-            </a:r>
-          </a:p>
-        </p:txBody>
-      </p:sp>
-      <p:sp>
-        <p:nvSpPr>
-          <p:cNvPr id="14" name="TextBox 13">
-            <a:extLst>
-              <a:ext uri="{FF2B5EF4-FFF2-40B4-BE49-F238E27FC236}">
-                <a16:creationId xmlns:a16="http://schemas.microsoft.com/office/drawing/2014/main" id="{F9EACCF8-3F28-5A48-9789-AF80E49235B6}"/>
-              </a:ext>
-            </a:extLst>
-          </p:cNvPr>
-          <p:cNvSpPr txBox="1"/>
-          <p:nvPr/>
-        </p:nvSpPr>
-        <p:spPr>
-          <a:xfrm>
-            <a:off x="4944980" y="7538574"/>
-            <a:ext cx="1828800" cy="1569660"/>
-          </a:xfrm>
-          <a:prstGeom prst="rect">
-            <a:avLst/>
-          </a:prstGeom>
-          <a:noFill/>
-        </p:spPr>
-        <p:txBody>
-          <a:bodyPr wrap="square" rtlCol="0">
-            <a:spAutoFit/>
-          </a:bodyPr>
-          <a:lstStyle/>
-          <a:p>
-            <a:r>
-              <a:rPr lang="en-US" sz="1600" b="1" dirty="0">
-                <a:solidFill>
-                  <a:schemeClr val="tx1">
-                    <a:lumMod val="75000"/>
-                    <a:lumOff val="25000"/>
-                  </a:schemeClr>
-                </a:solidFill>
-              </a:rPr>
-              <a:t>Gets smarter over time </a:t>
-            </a:r>
-            <a:r>
-              <a:rPr lang="en-US" sz="1600" dirty="0">
-                <a:solidFill>
-                  <a:schemeClr val="tx1">
-                    <a:lumMod val="75000"/>
-                    <a:lumOff val="25000"/>
-                  </a:schemeClr>
-                </a:solidFill>
-              </a:rPr>
-              <a:t>as the machine learning algorithm improves with experience and additional data</a:t>
-            </a:r>
-          </a:p>
-        </p:txBody>
-      </p:sp>
-      <p:sp>
-        <p:nvSpPr>
-          <p:cNvPr id="15" name="Oval 14">
-            <a:extLst>
-              <a:ext uri="{FF2B5EF4-FFF2-40B4-BE49-F238E27FC236}">
-                <a16:creationId xmlns:a16="http://schemas.microsoft.com/office/drawing/2014/main" id="{2D265941-3F63-644F-8E60-E06071DC50D2}"/>
-              </a:ext>
-            </a:extLst>
-          </p:cNvPr>
-          <p:cNvSpPr/>
-          <p:nvPr/>
-        </p:nvSpPr>
-        <p:spPr>
-          <a:xfrm>
-            <a:off x="300790" y="6376737"/>
-            <a:ext cx="1179094" cy="1043952"/>
-          </a:xfrm>
-          <a:prstGeom prst="ellipse">
-            <a:avLst/>
-          </a:prstGeom>
-        </p:spPr>
-        <p:style>
-          <a:lnRef idx="2">
-            <a:schemeClr val="accent1">
-              <a:shade val="50000"/>
-            </a:schemeClr>
-          </a:lnRef>
-          <a:fillRef idx="1">
-            <a:schemeClr val="accent1"/>
-          </a:fillRef>
-          <a:effectRef idx="0">
-            <a:schemeClr val="accent1"/>
-          </a:effectRef>
-          <a:fontRef idx="minor">
-            <a:schemeClr val="lt1"/>
-          </a:fontRef>
-        </p:style>
-        <p:txBody>
-          <a:bodyPr rtlCol="0" anchor="ctr"/>
-          <a:lstStyle/>
-          <a:p>
-            <a:pPr algn="ctr"/>
-            <a:r>
-              <a:rPr lang="en-US" dirty="0"/>
-              <a:t>ICON</a:t>
-            </a:r>
-          </a:p>
-        </p:txBody>
-      </p:sp>
-      <p:sp>
-        <p:nvSpPr>
-          <p:cNvPr id="16" name="Oval 15">
-            <a:extLst>
-              <a:ext uri="{FF2B5EF4-FFF2-40B4-BE49-F238E27FC236}">
-                <a16:creationId xmlns:a16="http://schemas.microsoft.com/office/drawing/2014/main" id="{0CF53C6F-A835-F643-BE6F-56CE23F21634}"/>
-              </a:ext>
-            </a:extLst>
-          </p:cNvPr>
-          <p:cNvSpPr/>
-          <p:nvPr/>
-        </p:nvSpPr>
-        <p:spPr>
-          <a:xfrm>
-            <a:off x="2839453" y="6376737"/>
-            <a:ext cx="1179094" cy="1043952"/>
-          </a:xfrm>
-          <a:prstGeom prst="ellipse">
-            <a:avLst/>
-          </a:prstGeom>
-        </p:spPr>
-        <p:style>
-          <a:lnRef idx="2">
-            <a:schemeClr val="accent1">
-              <a:shade val="50000"/>
-            </a:schemeClr>
-          </a:lnRef>
-          <a:fillRef idx="1">
-            <a:schemeClr val="accent1"/>
-          </a:fillRef>
-          <a:effectRef idx="0">
-            <a:schemeClr val="accent1"/>
-          </a:effectRef>
-          <a:fontRef idx="minor">
-            <a:schemeClr val="lt1"/>
-          </a:fontRef>
-        </p:style>
-        <p:txBody>
-          <a:bodyPr rtlCol="0" anchor="ctr"/>
-          <a:lstStyle/>
-          <a:p>
-            <a:pPr algn="ctr"/>
-            <a:r>
-              <a:rPr lang="en-US" dirty="0"/>
-              <a:t>ICON</a:t>
-            </a:r>
-          </a:p>
-        </p:txBody>
-      </p:sp>
-      <p:sp>
-        <p:nvSpPr>
-          <p:cNvPr id="17" name="Oval 16">
-            <a:extLst>
-              <a:ext uri="{FF2B5EF4-FFF2-40B4-BE49-F238E27FC236}">
-                <a16:creationId xmlns:a16="http://schemas.microsoft.com/office/drawing/2014/main" id="{47BE1EF8-28F8-2941-854D-92D366C7B0CE}"/>
-              </a:ext>
-            </a:extLst>
-          </p:cNvPr>
-          <p:cNvSpPr/>
-          <p:nvPr/>
-        </p:nvSpPr>
-        <p:spPr>
-          <a:xfrm>
-            <a:off x="5245767" y="6376737"/>
-            <a:ext cx="1179094" cy="1043952"/>
-          </a:xfrm>
-          <a:prstGeom prst="ellipse">
-            <a:avLst/>
-          </a:prstGeom>
-        </p:spPr>
-        <p:style>
-          <a:lnRef idx="2">
-            <a:schemeClr val="accent1">
-              <a:shade val="50000"/>
-            </a:schemeClr>
-          </a:lnRef>
-          <a:fillRef idx="1">
-            <a:schemeClr val="accent1"/>
-          </a:fillRef>
-          <a:effectRef idx="0">
-            <a:schemeClr val="accent1"/>
-          </a:effectRef>
-          <a:fontRef idx="minor">
-            <a:schemeClr val="lt1"/>
-          </a:fontRef>
-        </p:style>
-        <p:txBody>
-          <a:bodyPr rtlCol="0" anchor="ctr"/>
-          <a:lstStyle/>
-          <a:p>
-            <a:pPr algn="ctr"/>
-            <a:r>
-              <a:rPr lang="en-US" dirty="0"/>
-              <a:t>ICON</a:t>
-            </a:r>
-          </a:p>
-        </p:txBody>
-      </p:sp>
-      <p:sp>
-        <p:nvSpPr>
-          <p:cNvPr id="19" name="Rectangle 18">
-            <a:extLst>
-              <a:ext uri="{FF2B5EF4-FFF2-40B4-BE49-F238E27FC236}">
-                <a16:creationId xmlns:a16="http://schemas.microsoft.com/office/drawing/2014/main" id="{E5780C2C-F6E5-874A-87D5-934F077EAF40}"/>
-              </a:ext>
-            </a:extLst>
-          </p:cNvPr>
-          <p:cNvSpPr/>
-          <p:nvPr/>
-        </p:nvSpPr>
-        <p:spPr>
-          <a:xfrm>
-            <a:off x="0" y="655573"/>
-            <a:ext cx="6858000" cy="513200"/>
-          </a:xfrm>
-          <a:prstGeom prst="rect">
-            <a:avLst/>
-          </a:prstGeom>
-          <a:solidFill>
-            <a:srgbClr val="062EAB"/>
-          </a:solidFill>
-        </p:spPr>
-        <p:style>
-          <a:lnRef idx="2">
-            <a:schemeClr val="accent1">
-              <a:shade val="50000"/>
-            </a:schemeClr>
-          </a:lnRef>
-          <a:fillRef idx="1">
-            <a:schemeClr val="accent1"/>
-          </a:fillRef>
-          <a:effectRef idx="0">
-            <a:schemeClr val="accent1"/>
-          </a:effectRef>
-          <a:fontRef idx="minor">
-            <a:schemeClr val="lt1"/>
-          </a:fontRef>
-        </p:style>
-        <p:txBody>
-          <a:bodyPr rtlCol="0" anchor="ctr"/>
-          <a:lstStyle/>
-          <a:p>
-            <a:pPr>
-              <a:tabLst>
-                <a:tab pos="6624638" algn="r"/>
-              </a:tabLst>
-            </a:pPr>
-            <a:r>
-              <a:rPr lang="en-US" sz="1400" dirty="0"/>
-              <a:t>Overview	                                    Demo       About the App       Contact</a:t>
-            </a:r>
-          </a:p>
-        </p:txBody>
-      </p:sp>
-      <p:sp>
-        <p:nvSpPr>
-          <p:cNvPr id="20" name="TextBox 19">
-            <a:extLst>
-              <a:ext uri="{FF2B5EF4-FFF2-40B4-BE49-F238E27FC236}">
-                <a16:creationId xmlns:a16="http://schemas.microsoft.com/office/drawing/2014/main" id="{829281C0-FB86-8149-BE8B-354249D472EF}"/>
-              </a:ext>
-            </a:extLst>
-          </p:cNvPr>
-          <p:cNvSpPr txBox="1"/>
-          <p:nvPr/>
-        </p:nvSpPr>
-        <p:spPr>
-          <a:xfrm>
-            <a:off x="1263316" y="9541043"/>
-            <a:ext cx="4174958" cy="369332"/>
-          </a:xfrm>
-          <a:prstGeom prst="rect">
-            <a:avLst/>
-          </a:prstGeom>
-          <a:solidFill>
-            <a:srgbClr val="062EAB"/>
-          </a:solidFill>
-        </p:spPr>
-        <p:txBody>
-          <a:bodyPr wrap="square" rtlCol="0">
-            <a:spAutoFit/>
-          </a:bodyPr>
-          <a:lstStyle/>
-          <a:p>
-            <a:pPr algn="ctr"/>
-            <a:r>
-              <a:rPr lang="en-US" dirty="0">
-                <a:solidFill>
-                  <a:schemeClr val="bg1"/>
-                </a:solidFill>
-              </a:rPr>
-              <a:t>Contact us to learn more</a:t>
-            </a:r>
-          </a:p>
-        </p:txBody>
-      </p:sp>
-      <p:sp>
-        <p:nvSpPr>
-          <p:cNvPr id="22" name="Rectangle 21">
-            <a:extLst>
-              <a:ext uri="{FF2B5EF4-FFF2-40B4-BE49-F238E27FC236}">
-                <a16:creationId xmlns:a16="http://schemas.microsoft.com/office/drawing/2014/main" id="{7E9D6125-77AE-6F48-80D3-4D4E8813EB17}"/>
-              </a:ext>
-            </a:extLst>
-          </p:cNvPr>
-          <p:cNvSpPr/>
-          <p:nvPr/>
-        </p:nvSpPr>
-        <p:spPr>
-          <a:xfrm>
-            <a:off x="0" y="10599257"/>
-            <a:ext cx="6858000" cy="513200"/>
-          </a:xfrm>
-          <a:prstGeom prst="rect">
-            <a:avLst/>
-          </a:prstGeom>
-          <a:solidFill>
-            <a:schemeClr val="tx1">
-              <a:lumMod val="50000"/>
-              <a:lumOff val="50000"/>
-            </a:schemeClr>
-          </a:solidFill>
-        </p:spPr>
-        <p:style>
-          <a:lnRef idx="2">
-            <a:schemeClr val="accent1">
-              <a:shade val="50000"/>
-            </a:schemeClr>
-          </a:lnRef>
-          <a:fillRef idx="1">
-            <a:schemeClr val="accent1"/>
-          </a:fillRef>
-          <a:effectRef idx="0">
-            <a:schemeClr val="accent1"/>
-          </a:effectRef>
-          <a:fontRef idx="minor">
-            <a:schemeClr val="lt1"/>
-          </a:fontRef>
-        </p:style>
-        <p:txBody>
-          <a:bodyPr rtlCol="0" anchor="ctr"/>
-          <a:lstStyle/>
-          <a:p>
-            <a:pPr>
-              <a:tabLst>
-                <a:tab pos="6624638" algn="r"/>
-              </a:tabLst>
-            </a:pPr>
-            <a:r>
-              <a:rPr lang="en-US" sz="1400" dirty="0"/>
-              <a:t>Copyright 2021	</a:t>
-            </a:r>
-          </a:p>
-        </p:txBody>
-      </p:sp>
-      <p:sp>
-        <p:nvSpPr>
-          <p:cNvPr id="18" name="TextBox 17">
-            <a:extLst>
-              <a:ext uri="{FF2B5EF4-FFF2-40B4-BE49-F238E27FC236}">
-                <a16:creationId xmlns:a16="http://schemas.microsoft.com/office/drawing/2014/main" id="{316450ED-C760-DD43-B6DE-827532866F98}"/>
-              </a:ext>
-            </a:extLst>
-          </p:cNvPr>
-          <p:cNvSpPr txBox="1"/>
-          <p:nvPr/>
-        </p:nvSpPr>
-        <p:spPr>
-          <a:xfrm>
-            <a:off x="144377" y="5340659"/>
-            <a:ext cx="6280484" cy="707886"/>
-          </a:xfrm>
-          <a:prstGeom prst="rect">
-            <a:avLst/>
-          </a:prstGeom>
-          <a:noFill/>
-        </p:spPr>
-        <p:txBody>
-          <a:bodyPr wrap="square" rtlCol="0">
-            <a:spAutoFit/>
-          </a:bodyPr>
-          <a:lstStyle/>
-          <a:p>
-            <a:pPr algn="ctr"/>
-            <a:r>
-              <a:rPr lang="en-US" sz="2000" b="1" dirty="0">
-                <a:solidFill>
-                  <a:schemeClr val="tx1">
-                    <a:lumMod val="75000"/>
-                    <a:lumOff val="25000"/>
-                  </a:schemeClr>
-                </a:solidFill>
-              </a:rPr>
-              <a:t>Talent flight costs large corporations a zillion dollars per year</a:t>
-            </a:r>
-            <a:r>
-              <a:rPr lang="en-US" sz="2000" b="1" baseline="30000" dirty="0">
-                <a:solidFill>
-                  <a:schemeClr val="tx1">
-                    <a:lumMod val="75000"/>
-                    <a:lumOff val="25000"/>
-                  </a:schemeClr>
-                </a:solidFill>
-              </a:rPr>
-              <a:t>1</a:t>
-            </a:r>
-            <a:r>
-              <a:rPr lang="en-US" sz="2000" b="1" dirty="0">
-                <a:solidFill>
-                  <a:schemeClr val="tx1">
-                    <a:lumMod val="75000"/>
-                    <a:lumOff val="25000"/>
-                  </a:schemeClr>
-                </a:solidFill>
-              </a:rPr>
-              <a:t>.</a:t>
-            </a:r>
-            <a:r>
-              <a:rPr lang="en-US" sz="2000" b="1" baseline="30000" dirty="0">
-                <a:solidFill>
-                  <a:schemeClr val="tx1">
-                    <a:lumMod val="75000"/>
-                    <a:lumOff val="25000"/>
-                  </a:schemeClr>
-                </a:solidFill>
-              </a:rPr>
-              <a:t>  </a:t>
-            </a:r>
-            <a:r>
-              <a:rPr lang="en-US" sz="2000" b="1" dirty="0">
-                <a:solidFill>
-                  <a:schemeClr val="tx1">
-                    <a:lumMod val="75000"/>
-                    <a:lumOff val="25000"/>
-                  </a:schemeClr>
-                </a:solidFill>
-              </a:rPr>
-              <a:t>The TRP can reduce your costs:</a:t>
-            </a:r>
-            <a:endParaRPr lang="en-US" sz="1400" i="1" dirty="0">
-              <a:solidFill>
-                <a:schemeClr val="tx1">
-                  <a:lumMod val="75000"/>
-                  <a:lumOff val="25000"/>
-                </a:schemeClr>
-              </a:solidFill>
-            </a:endParaRPr>
-          </a:p>
-        </p:txBody>
-      </p:sp>
-      <p:sp>
-        <p:nvSpPr>
-          <p:cNvPr id="23" name="Rectangle 22">
-            <a:extLst>
-              <a:ext uri="{FF2B5EF4-FFF2-40B4-BE49-F238E27FC236}">
-                <a16:creationId xmlns:a16="http://schemas.microsoft.com/office/drawing/2014/main" id="{92B49BB5-6E06-B54B-866E-44C610804DF7}"/>
-              </a:ext>
-            </a:extLst>
-          </p:cNvPr>
-          <p:cNvSpPr/>
-          <p:nvPr/>
-        </p:nvSpPr>
-        <p:spPr>
-          <a:xfrm>
-            <a:off x="4793686" y="10190526"/>
-            <a:ext cx="1980094" cy="369332"/>
-          </a:xfrm>
-          <a:prstGeom prst="rect">
-            <a:avLst/>
-          </a:prstGeom>
-        </p:spPr>
-        <p:txBody>
-          <a:bodyPr wrap="none">
-            <a:spAutoFit/>
-          </a:bodyPr>
-          <a:lstStyle/>
-          <a:p>
-            <a:r>
-              <a:rPr lang="en-US" dirty="0">
-                <a:solidFill>
-                  <a:srgbClr val="062EAB"/>
-                </a:solidFill>
-              </a:rPr>
-              <a:t>(</a:t>
-            </a:r>
-            <a:r>
-              <a:rPr lang="en-US" baseline="30000" dirty="0">
-                <a:solidFill>
-                  <a:srgbClr val="062EAB"/>
-                </a:solidFill>
-              </a:rPr>
-              <a:t>1 </a:t>
-            </a:r>
-            <a:r>
-              <a:rPr lang="en-US" dirty="0">
-                <a:solidFill>
-                  <a:srgbClr val="062EAB"/>
-                </a:solidFill>
-              </a:rPr>
-              <a:t>full citation here)</a:t>
-            </a:r>
-          </a:p>
-        </p:txBody>
-      </p:sp>
-      <p:sp>
-        <p:nvSpPr>
-          <p:cNvPr id="24" name="Rectangle 23">
-            <a:extLst>
-              <a:ext uri="{FF2B5EF4-FFF2-40B4-BE49-F238E27FC236}">
-                <a16:creationId xmlns:a16="http://schemas.microsoft.com/office/drawing/2014/main" id="{64C3C1CE-3E74-9F40-8F1C-C1E85C5003AC}"/>
-              </a:ext>
-            </a:extLst>
-          </p:cNvPr>
-          <p:cNvSpPr/>
-          <p:nvPr/>
-        </p:nvSpPr>
-        <p:spPr>
-          <a:xfrm>
-            <a:off x="4551948" y="1097114"/>
-            <a:ext cx="2306052" cy="723808"/>
-          </a:xfrm>
-          <a:prstGeom prst="rect">
-            <a:avLst/>
-          </a:prstGeom>
-          <a:solidFill>
-            <a:schemeClr val="accent1"/>
-          </a:solidFill>
-        </p:spPr>
-        <p:style>
-          <a:lnRef idx="2">
-            <a:schemeClr val="accent1">
-              <a:shade val="50000"/>
-            </a:schemeClr>
-          </a:lnRef>
-          <a:fillRef idx="1">
-            <a:schemeClr val="accent1"/>
-          </a:fillRef>
-          <a:effectRef idx="0">
-            <a:schemeClr val="accent1"/>
-          </a:effectRef>
-          <a:fontRef idx="minor">
-            <a:schemeClr val="lt1"/>
-          </a:fontRef>
-        </p:style>
-        <p:txBody>
-          <a:bodyPr rtlCol="0" anchor="ctr"/>
-          <a:lstStyle/>
-          <a:p>
-            <a:pPr>
-              <a:tabLst>
-                <a:tab pos="6624638" algn="r"/>
-              </a:tabLst>
-            </a:pPr>
-            <a:r>
-              <a:rPr lang="en-US" sz="1400" dirty="0"/>
-              <a:t>The ML Model</a:t>
-            </a:r>
-          </a:p>
-          <a:p>
-            <a:pPr>
-              <a:tabLst>
-                <a:tab pos="6624638" algn="r"/>
-              </a:tabLst>
-            </a:pPr>
-            <a:r>
-              <a:rPr lang="en-US" sz="1400" dirty="0"/>
-              <a:t>Data deep dive visualization</a:t>
-            </a:r>
-          </a:p>
-          <a:p>
-            <a:pPr>
-              <a:tabLst>
-                <a:tab pos="6624638" algn="r"/>
-              </a:tabLst>
-            </a:pPr>
-            <a:r>
-              <a:rPr lang="en-US" sz="1400" dirty="0"/>
-              <a:t>The data source</a:t>
+              <a:t>TRPA</a:t>
             </a:r>
           </a:p>
         </p:txBody>
@@ -5692,7 +4867,7 @@
     </p:spTree>
     <p:extLst>
       <p:ext uri="{BB962C8B-B14F-4D97-AF65-F5344CB8AC3E}">
-        <p14:creationId xmlns:p14="http://schemas.microsoft.com/office/powerpoint/2010/main" val="2269669178"/>
+        <p14:creationId xmlns:p14="http://schemas.microsoft.com/office/powerpoint/2010/main" val="1913982299"/>
       </p:ext>
     </p:extLst>
   </p:cSld>
@@ -5749,12 +4924,361 @@
           </a:prstGeom>
         </p:spPr>
       </p:pic>
-      <p:sp>
-        <p:nvSpPr>
-          <p:cNvPr id="19" name="Rectangle 18">
+      <p:pic>
+        <p:nvPicPr>
+          <p:cNvPr id="7" name="Picture 6">
             <a:extLst>
               <a:ext uri="{FF2B5EF4-FFF2-40B4-BE49-F238E27FC236}">
-                <a16:creationId xmlns:a16="http://schemas.microsoft.com/office/drawing/2014/main" id="{E5780C2C-F6E5-874A-87D5-934F077EAF40}"/>
+                <a16:creationId xmlns:a16="http://schemas.microsoft.com/office/drawing/2014/main" id="{5DF7A22D-8B54-AC49-BDFE-C363D5F64067}"/>
+              </a:ext>
+            </a:extLst>
+          </p:cNvPr>
+          <p:cNvPicPr>
+            <a:picLocks noChangeAspect="1"/>
+          </p:cNvPicPr>
+          <p:nvPr/>
+        </p:nvPicPr>
+        <p:blipFill rotWithShape="1">
+          <a:blip r:embed="rId4">
+            <a:alphaModFix/>
+            <a:extLst>
+              <a:ext uri="{BEBA8EAE-BF5A-486C-A8C5-ECC9F3942E4B}">
+                <a14:imgProps xmlns:a14="http://schemas.microsoft.com/office/drawing/2010/main">
+                  <a14:imgLayer r:embed="rId5">
+                    <a14:imgEffect>
+                      <a14:brightnessContrast bright="-66000"/>
+                    </a14:imgEffect>
+                  </a14:imgLayer>
+                </a14:imgProps>
+              </a:ext>
+            </a:extLst>
+          </a:blip>
+          <a:srcRect t="315" b="20986"/>
+          <a:stretch/>
+        </p:blipFill>
+        <p:spPr>
+          <a:xfrm>
+            <a:off x="0" y="1176936"/>
+            <a:ext cx="6858000" cy="4042612"/>
+          </a:xfrm>
+          <a:prstGeom prst="rect">
+            <a:avLst/>
+          </a:prstGeom>
+        </p:spPr>
+      </p:pic>
+      <p:sp>
+        <p:nvSpPr>
+          <p:cNvPr id="8" name="TextBox 7">
+            <a:extLst>
+              <a:ext uri="{FF2B5EF4-FFF2-40B4-BE49-F238E27FC236}">
+                <a16:creationId xmlns:a16="http://schemas.microsoft.com/office/drawing/2014/main" id="{13F551D0-235B-2B42-B9B1-A1827BED0C0F}"/>
+              </a:ext>
+            </a:extLst>
+          </p:cNvPr>
+          <p:cNvSpPr txBox="1"/>
+          <p:nvPr/>
+        </p:nvSpPr>
+        <p:spPr>
+          <a:xfrm>
+            <a:off x="228601" y="1632142"/>
+            <a:ext cx="6280484" cy="800219"/>
+          </a:xfrm>
+          <a:prstGeom prst="rect">
+            <a:avLst/>
+          </a:prstGeom>
+          <a:noFill/>
+        </p:spPr>
+        <p:txBody>
+          <a:bodyPr wrap="square" rtlCol="0">
+            <a:spAutoFit/>
+          </a:bodyPr>
+          <a:lstStyle/>
+          <a:p>
+            <a:pPr algn="ctr"/>
+            <a:r>
+              <a:rPr lang="en-US" sz="2800" b="1" dirty="0">
+                <a:solidFill>
+                  <a:schemeClr val="bg1"/>
+                </a:solidFill>
+              </a:rPr>
+              <a:t>The Talent Retention Predicter App </a:t>
+            </a:r>
+            <a:r>
+              <a:rPr lang="en-US" sz="2800" b="1" baseline="30000" dirty="0">
+                <a:solidFill>
+                  <a:schemeClr val="bg1"/>
+                </a:solidFill>
+              </a:rPr>
+              <a:t>™ </a:t>
+            </a:r>
+            <a:r>
+              <a:rPr lang="en-US" sz="2800" b="1" dirty="0">
+                <a:solidFill>
+                  <a:schemeClr val="bg1"/>
+                </a:solidFill>
+              </a:rPr>
+              <a:t> </a:t>
+            </a:r>
+          </a:p>
+          <a:p>
+            <a:pPr algn="ctr"/>
+            <a:r>
+              <a:rPr lang="en-US" i="1" dirty="0">
+                <a:solidFill>
+                  <a:schemeClr val="bg1"/>
+                </a:solidFill>
+              </a:rPr>
+              <a:t>Identify who is at risk BEFORE it’s too late</a:t>
+            </a:r>
+          </a:p>
+        </p:txBody>
+      </p:sp>
+      <p:sp>
+        <p:nvSpPr>
+          <p:cNvPr id="9" name="TextBox 8">
+            <a:extLst>
+              <a:ext uri="{FF2B5EF4-FFF2-40B4-BE49-F238E27FC236}">
+                <a16:creationId xmlns:a16="http://schemas.microsoft.com/office/drawing/2014/main" id="{1B22DEAD-6E8E-BB4F-A338-127FE51A658B}"/>
+              </a:ext>
+            </a:extLst>
+          </p:cNvPr>
+          <p:cNvSpPr txBox="1"/>
+          <p:nvPr/>
+        </p:nvSpPr>
+        <p:spPr>
+          <a:xfrm>
+            <a:off x="866273" y="3499559"/>
+            <a:ext cx="1756611" cy="369332"/>
+          </a:xfrm>
+          <a:prstGeom prst="rect">
+            <a:avLst/>
+          </a:prstGeom>
+          <a:solidFill>
+            <a:srgbClr val="062EAB"/>
+          </a:solidFill>
+        </p:spPr>
+        <p:txBody>
+          <a:bodyPr wrap="square" rtlCol="0">
+            <a:spAutoFit/>
+          </a:bodyPr>
+          <a:lstStyle/>
+          <a:p>
+            <a:pPr algn="ctr"/>
+            <a:r>
+              <a:rPr lang="en-US" dirty="0">
+                <a:solidFill>
+                  <a:schemeClr val="bg1"/>
+                </a:solidFill>
+              </a:rPr>
+              <a:t>TRY THE DEMO</a:t>
+            </a:r>
+          </a:p>
+        </p:txBody>
+      </p:sp>
+      <p:sp>
+        <p:nvSpPr>
+          <p:cNvPr id="11" name="TextBox 10">
+            <a:extLst>
+              <a:ext uri="{FF2B5EF4-FFF2-40B4-BE49-F238E27FC236}">
+                <a16:creationId xmlns:a16="http://schemas.microsoft.com/office/drawing/2014/main" id="{744831B4-486A-6841-9A8A-3EA0DE44B63C}"/>
+              </a:ext>
+            </a:extLst>
+          </p:cNvPr>
+          <p:cNvSpPr txBox="1"/>
+          <p:nvPr/>
+        </p:nvSpPr>
+        <p:spPr>
+          <a:xfrm>
+            <a:off x="4018547" y="2945561"/>
+            <a:ext cx="2261937" cy="1477328"/>
+          </a:xfrm>
+          <a:prstGeom prst="rect">
+            <a:avLst/>
+          </a:prstGeom>
+          <a:noFill/>
+        </p:spPr>
+        <p:txBody>
+          <a:bodyPr wrap="square" rtlCol="0">
+            <a:spAutoFit/>
+          </a:bodyPr>
+          <a:lstStyle/>
+          <a:p>
+            <a:r>
+              <a:rPr lang="en-US" dirty="0">
+                <a:solidFill>
+                  <a:schemeClr val="bg1"/>
+                </a:solidFill>
+              </a:rPr>
+              <a:t>Fueled by machine learning, tuned to your organization’s data, to predict who is at risk of leaving</a:t>
+            </a:r>
+          </a:p>
+        </p:txBody>
+      </p:sp>
+      <p:sp>
+        <p:nvSpPr>
+          <p:cNvPr id="12" name="TextBox 11">
+            <a:extLst>
+              <a:ext uri="{FF2B5EF4-FFF2-40B4-BE49-F238E27FC236}">
+                <a16:creationId xmlns:a16="http://schemas.microsoft.com/office/drawing/2014/main" id="{BBF73221-249C-4040-A061-7A88A9942858}"/>
+              </a:ext>
+            </a:extLst>
+          </p:cNvPr>
+          <p:cNvSpPr txBox="1"/>
+          <p:nvPr/>
+        </p:nvSpPr>
+        <p:spPr>
+          <a:xfrm>
+            <a:off x="84220" y="7538574"/>
+            <a:ext cx="1828800" cy="1569660"/>
+          </a:xfrm>
+          <a:prstGeom prst="rect">
+            <a:avLst/>
+          </a:prstGeom>
+          <a:noFill/>
+        </p:spPr>
+        <p:txBody>
+          <a:bodyPr wrap="square" rtlCol="0">
+            <a:spAutoFit/>
+          </a:bodyPr>
+          <a:lstStyle/>
+          <a:p>
+            <a:r>
+              <a:rPr lang="en-US" sz="1600" b="1" dirty="0">
+                <a:solidFill>
+                  <a:schemeClr val="tx1">
+                    <a:lumMod val="75000"/>
+                    <a:lumOff val="25000"/>
+                  </a:schemeClr>
+                </a:solidFill>
+              </a:rPr>
+              <a:t>Predicts with up to 90% accuracy </a:t>
+            </a:r>
+            <a:r>
+              <a:rPr lang="en-US" sz="1600" dirty="0">
+                <a:solidFill>
+                  <a:schemeClr val="tx1">
+                    <a:lumMod val="75000"/>
+                    <a:lumOff val="25000"/>
+                  </a:schemeClr>
+                </a:solidFill>
+              </a:rPr>
+              <a:t>which employees are at risk of leaving so that you can intervene first</a:t>
+            </a:r>
+          </a:p>
+        </p:txBody>
+      </p:sp>
+      <p:sp>
+        <p:nvSpPr>
+          <p:cNvPr id="13" name="TextBox 12">
+            <a:extLst>
+              <a:ext uri="{FF2B5EF4-FFF2-40B4-BE49-F238E27FC236}">
+                <a16:creationId xmlns:a16="http://schemas.microsoft.com/office/drawing/2014/main" id="{530B7875-C750-AE4F-B3C2-43D2A0837E55}"/>
+              </a:ext>
+            </a:extLst>
+          </p:cNvPr>
+          <p:cNvSpPr txBox="1"/>
+          <p:nvPr/>
+        </p:nvSpPr>
+        <p:spPr>
+          <a:xfrm>
+            <a:off x="2514600" y="7538574"/>
+            <a:ext cx="1828800" cy="1077218"/>
+          </a:xfrm>
+          <a:prstGeom prst="rect">
+            <a:avLst/>
+          </a:prstGeom>
+          <a:noFill/>
+        </p:spPr>
+        <p:txBody>
+          <a:bodyPr wrap="square" rtlCol="0">
+            <a:spAutoFit/>
+          </a:bodyPr>
+          <a:lstStyle/>
+          <a:p>
+            <a:r>
+              <a:rPr lang="en-US" sz="1600" b="1" dirty="0">
+                <a:solidFill>
+                  <a:schemeClr val="tx1">
+                    <a:lumMod val="75000"/>
+                    <a:lumOff val="25000"/>
+                  </a:schemeClr>
+                </a:solidFill>
+              </a:rPr>
+              <a:t>Adaptable to your organization’s </a:t>
+            </a:r>
+            <a:r>
+              <a:rPr lang="en-US" sz="1600" dirty="0">
+                <a:solidFill>
+                  <a:schemeClr val="tx1">
+                    <a:lumMod val="75000"/>
+                    <a:lumOff val="25000"/>
+                  </a:schemeClr>
+                </a:solidFill>
+              </a:rPr>
+              <a:t>employee base and organizational goals </a:t>
+            </a:r>
+          </a:p>
+        </p:txBody>
+      </p:sp>
+      <p:sp>
+        <p:nvSpPr>
+          <p:cNvPr id="14" name="TextBox 13">
+            <a:extLst>
+              <a:ext uri="{FF2B5EF4-FFF2-40B4-BE49-F238E27FC236}">
+                <a16:creationId xmlns:a16="http://schemas.microsoft.com/office/drawing/2014/main" id="{F9EACCF8-3F28-5A48-9789-AF80E49235B6}"/>
+              </a:ext>
+            </a:extLst>
+          </p:cNvPr>
+          <p:cNvSpPr txBox="1"/>
+          <p:nvPr/>
+        </p:nvSpPr>
+        <p:spPr>
+          <a:xfrm>
+            <a:off x="4944980" y="7538574"/>
+            <a:ext cx="1828800" cy="1569660"/>
+          </a:xfrm>
+          <a:prstGeom prst="rect">
+            <a:avLst/>
+          </a:prstGeom>
+          <a:noFill/>
+        </p:spPr>
+        <p:txBody>
+          <a:bodyPr wrap="square" rtlCol="0">
+            <a:spAutoFit/>
+          </a:bodyPr>
+          <a:lstStyle/>
+          <a:p>
+            <a:r>
+              <a:rPr lang="en-US" sz="1600" b="1" dirty="0">
+                <a:solidFill>
+                  <a:schemeClr val="tx1">
+                    <a:lumMod val="75000"/>
+                    <a:lumOff val="25000"/>
+                  </a:schemeClr>
+                </a:solidFill>
+              </a:rPr>
+              <a:t>Gets smarter over time </a:t>
+            </a:r>
+            <a:r>
+              <a:rPr lang="en-US" sz="1600" dirty="0">
+                <a:solidFill>
+                  <a:schemeClr val="tx1">
+                    <a:lumMod val="75000"/>
+                    <a:lumOff val="25000"/>
+                  </a:schemeClr>
+                </a:solidFill>
+              </a:rPr>
+              <a:t>as the machine learning algorithm improves with experience and additional data</a:t>
+            </a:r>
+          </a:p>
+        </p:txBody>
+      </p:sp>
+      <p:sp>
+        <p:nvSpPr>
+          <p:cNvPr id="15" name="Oval 14">
+            <a:extLst>
+              <a:ext uri="{FF2B5EF4-FFF2-40B4-BE49-F238E27FC236}">
+                <a16:creationId xmlns:a16="http://schemas.microsoft.com/office/drawing/2014/main" id="{2D265941-3F63-644F-8E60-E06071DC50D2}"/>
               </a:ext>
             </a:extLst>
           </p:cNvPr>
@@ -5763,15 +5287,12 @@
         </p:nvSpPr>
         <p:spPr>
           <a:xfrm>
-            <a:off x="0" y="655573"/>
-            <a:ext cx="6858000" cy="513200"/>
-          </a:xfrm>
-          <a:prstGeom prst="rect">
-            <a:avLst/>
-          </a:prstGeom>
-          <a:solidFill>
-            <a:srgbClr val="062EAB"/>
-          </a:solidFill>
+            <a:off x="300790" y="6376737"/>
+            <a:ext cx="1179094" cy="1043952"/>
+          </a:xfrm>
+          <a:prstGeom prst="ellipse">
+            <a:avLst/>
+          </a:prstGeom>
         </p:spPr>
         <p:style>
           <a:lnRef idx="2">
@@ -5793,69 +5314,20 @@
           <a:bodyPr rtlCol="0" anchor="ctr"/>
           <a:lstStyle/>
           <a:p>
-            <a:pPr>
-              <a:tabLst>
-                <a:tab pos="6624638" algn="r"/>
-              </a:tabLst>
-            </a:pPr>
-            <a:r>
-              <a:rPr lang="en-US" sz="1400" dirty="0"/>
-              <a:t>Overview	                                    Demo       About the App       Contact</a:t>
-            </a:r>
-          </a:p>
-        </p:txBody>
-      </p:sp>
-      <p:sp>
-        <p:nvSpPr>
-          <p:cNvPr id="29" name="TextBox 28">
+            <a:pPr algn="ctr"/>
+            <a:r>
+              <a:rPr lang="en-US" dirty="0"/>
+              <a:t>ICON</a:t>
+            </a:r>
+          </a:p>
+        </p:txBody>
+      </p:sp>
+      <p:sp>
+        <p:nvSpPr>
+          <p:cNvPr id="16" name="Oval 15">
             <a:extLst>
               <a:ext uri="{FF2B5EF4-FFF2-40B4-BE49-F238E27FC236}">
-                <a16:creationId xmlns:a16="http://schemas.microsoft.com/office/drawing/2014/main" id="{FF563A47-1656-EA46-A857-E25EB793082A}"/>
-              </a:ext>
-            </a:extLst>
-          </p:cNvPr>
-          <p:cNvSpPr txBox="1"/>
-          <p:nvPr/>
-        </p:nvSpPr>
-        <p:spPr>
-          <a:xfrm>
-            <a:off x="445168" y="1279036"/>
-            <a:ext cx="6280484" cy="523220"/>
-          </a:xfrm>
-          <a:prstGeom prst="rect">
-            <a:avLst/>
-          </a:prstGeom>
-          <a:noFill/>
-        </p:spPr>
-        <p:txBody>
-          <a:bodyPr wrap="square" rtlCol="0">
-            <a:spAutoFit/>
-          </a:bodyPr>
-          <a:lstStyle/>
-          <a:p>
-            <a:pPr algn="ctr"/>
-            <a:r>
-              <a:rPr lang="en-US" sz="2800" b="1" dirty="0">
-                <a:solidFill>
-                  <a:srgbClr val="062EAB"/>
-                </a:solidFill>
-              </a:rPr>
-              <a:t>Demo</a:t>
-            </a:r>
-            <a:endParaRPr lang="en-US" i="1" dirty="0">
-              <a:solidFill>
-                <a:srgbClr val="062EAB"/>
-              </a:solidFill>
-            </a:endParaRPr>
-          </a:p>
-        </p:txBody>
-      </p:sp>
-      <p:sp>
-        <p:nvSpPr>
-          <p:cNvPr id="2" name="Rounded Rectangle 1">
-            <a:extLst>
-              <a:ext uri="{FF2B5EF4-FFF2-40B4-BE49-F238E27FC236}">
-                <a16:creationId xmlns:a16="http://schemas.microsoft.com/office/drawing/2014/main" id="{CCF80E51-D0B9-B149-B964-73309B31A165}"/>
+                <a16:creationId xmlns:a16="http://schemas.microsoft.com/office/drawing/2014/main" id="{0CF53C6F-A835-F643-BE6F-56CE23F21634}"/>
               </a:ext>
             </a:extLst>
           </p:cNvPr>
@@ -5864,18 +5336,12 @@
         </p:nvSpPr>
         <p:spPr>
           <a:xfrm>
-            <a:off x="204537" y="2695074"/>
-            <a:ext cx="6521115" cy="2538663"/>
-          </a:xfrm>
-          <a:prstGeom prst="roundRect">
-            <a:avLst/>
-          </a:prstGeom>
-          <a:solidFill>
-            <a:schemeClr val="accent1">
-              <a:lumMod val="20000"/>
-              <a:lumOff val="80000"/>
-            </a:schemeClr>
-          </a:solidFill>
+            <a:off x="2839453" y="6376737"/>
+            <a:ext cx="1179094" cy="1043952"/>
+          </a:xfrm>
+          <a:prstGeom prst="ellipse">
+            <a:avLst/>
+          </a:prstGeom>
         </p:spPr>
         <p:style>
           <a:lnRef idx="2">
@@ -5894,34 +5360,23 @@
           </a:fontRef>
         </p:style>
         <p:txBody>
-          <a:bodyPr rtlCol="0" anchor="t"/>
-          <a:lstStyle/>
-          <a:p>
-            <a:r>
-              <a:rPr lang="en-US" b="1" dirty="0">
-                <a:solidFill>
-                  <a:srgbClr val="062EAB"/>
-                </a:solidFill>
-              </a:rPr>
-              <a:t>Instructions: </a:t>
-            </a:r>
-            <a:r>
-              <a:rPr lang="en-US" dirty="0">
-                <a:solidFill>
-                  <a:srgbClr val="062EAB"/>
-                </a:solidFill>
-              </a:rPr>
-              <a:t>Enter data from the profile of a hypothetical manager at IBM:</a:t>
-            </a:r>
-          </a:p>
-        </p:txBody>
-      </p:sp>
-      <p:sp>
-        <p:nvSpPr>
-          <p:cNvPr id="3" name="Rectangle 2">
+          <a:bodyPr rtlCol="0" anchor="ctr"/>
+          <a:lstStyle/>
+          <a:p>
+            <a:pPr algn="ctr"/>
+            <a:r>
+              <a:rPr lang="en-US" dirty="0"/>
+              <a:t>ICON</a:t>
+            </a:r>
+          </a:p>
+        </p:txBody>
+      </p:sp>
+      <p:sp>
+        <p:nvSpPr>
+          <p:cNvPr id="17" name="Oval 16">
             <a:extLst>
               <a:ext uri="{FF2B5EF4-FFF2-40B4-BE49-F238E27FC236}">
-                <a16:creationId xmlns:a16="http://schemas.microsoft.com/office/drawing/2014/main" id="{EFB2900C-F23A-CE47-B144-5311F90401C2}"/>
+                <a16:creationId xmlns:a16="http://schemas.microsoft.com/office/drawing/2014/main" id="{47BE1EF8-28F8-2941-854D-92D366C7B0CE}"/>
               </a:ext>
             </a:extLst>
           </p:cNvPr>
@@ -5930,272 +5385,12 @@
         </p:nvSpPr>
         <p:spPr>
           <a:xfrm>
-            <a:off x="438484" y="3555954"/>
-            <a:ext cx="3429000" cy="2031325"/>
-          </a:xfrm>
-          <a:prstGeom prst="rect">
-            <a:avLst/>
-          </a:prstGeom>
-        </p:spPr>
-        <p:txBody>
-          <a:bodyPr>
-            <a:spAutoFit/>
-          </a:bodyPr>
-          <a:lstStyle/>
-          <a:p>
-            <a:pPr fontAlgn="base">
-              <a:buFont typeface="+mj-lt"/>
-              <a:buAutoNum type="arabicPeriod"/>
-            </a:pPr>
-            <a:r>
-              <a:rPr lang="en-US" dirty="0">
-                <a:solidFill>
-                  <a:srgbClr val="595959"/>
-                </a:solidFill>
-                <a:latin typeface="Arial" panose="020B0604020202020204" pitchFamily="34" charset="0"/>
-              </a:rPr>
-              <a:t> Age: </a:t>
-            </a:r>
-          </a:p>
-          <a:p>
-            <a:pPr fontAlgn="base">
-              <a:buFont typeface="+mj-lt"/>
-              <a:buAutoNum type="arabicPeriod"/>
-            </a:pPr>
-            <a:r>
-              <a:rPr lang="en-US" dirty="0">
-                <a:solidFill>
-                  <a:srgbClr val="595959"/>
-                </a:solidFill>
-                <a:latin typeface="Arial" panose="020B0604020202020204" pitchFamily="34" charset="0"/>
-              </a:rPr>
-              <a:t> Gender:</a:t>
-            </a:r>
-          </a:p>
-          <a:p>
-            <a:pPr fontAlgn="base">
-              <a:buFont typeface="+mj-lt"/>
-              <a:buAutoNum type="arabicPeriod"/>
-            </a:pPr>
-            <a:r>
-              <a:rPr lang="en-US" dirty="0">
-                <a:solidFill>
-                  <a:srgbClr val="595959"/>
-                </a:solidFill>
-                <a:latin typeface="Arial" panose="020B0604020202020204" pitchFamily="34" charset="0"/>
-              </a:rPr>
-              <a:t> Data point 3: </a:t>
-            </a:r>
-          </a:p>
-          <a:p>
-            <a:pPr fontAlgn="base">
-              <a:buFont typeface="+mj-lt"/>
-              <a:buAutoNum type="arabicPeriod"/>
-            </a:pPr>
-            <a:r>
-              <a:rPr lang="en-US" dirty="0">
-                <a:solidFill>
-                  <a:srgbClr val="595959"/>
-                </a:solidFill>
-                <a:latin typeface="Arial" panose="020B0604020202020204" pitchFamily="34" charset="0"/>
-              </a:rPr>
-              <a:t> Data point 4:</a:t>
-            </a:r>
-          </a:p>
-          <a:p>
-            <a:pPr fontAlgn="base">
-              <a:buFont typeface="+mj-lt"/>
-              <a:buAutoNum type="arabicPeriod"/>
-            </a:pPr>
-            <a:r>
-              <a:rPr lang="en-US" dirty="0">
-                <a:solidFill>
-                  <a:srgbClr val="595959"/>
-                </a:solidFill>
-                <a:latin typeface="Arial" panose="020B0604020202020204" pitchFamily="34" charset="0"/>
-              </a:rPr>
-              <a:t>  Data point 5:</a:t>
-            </a:r>
-          </a:p>
-          <a:p>
-            <a:br>
-              <a:rPr lang="en-US" dirty="0"/>
-            </a:br>
-            <a:endParaRPr lang="en-US" dirty="0"/>
-          </a:p>
-        </p:txBody>
-      </p:sp>
-      <p:sp>
-        <p:nvSpPr>
-          <p:cNvPr id="4" name="Rectangle 3">
-            <a:extLst>
-              <a:ext uri="{FF2B5EF4-FFF2-40B4-BE49-F238E27FC236}">
-                <a16:creationId xmlns:a16="http://schemas.microsoft.com/office/drawing/2014/main" id="{99E0A222-F7F2-B640-9A95-807DB0DF4D2B}"/>
-              </a:ext>
-            </a:extLst>
-          </p:cNvPr>
-          <p:cNvSpPr/>
-          <p:nvPr/>
-        </p:nvSpPr>
-        <p:spPr>
-          <a:xfrm>
-            <a:off x="3530599" y="3280371"/>
-            <a:ext cx="3429000" cy="1754326"/>
-          </a:xfrm>
-          <a:prstGeom prst="rect">
-            <a:avLst/>
-          </a:prstGeom>
-        </p:spPr>
-        <p:txBody>
-          <a:bodyPr>
-            <a:spAutoFit/>
-          </a:bodyPr>
-          <a:lstStyle/>
-          <a:p>
-            <a:br>
-              <a:rPr lang="en-US" dirty="0"/>
-            </a:br>
-            <a:r>
-              <a:rPr lang="en-US" dirty="0">
-                <a:solidFill>
-                  <a:srgbClr val="595959"/>
-                </a:solidFill>
-                <a:latin typeface="Arial" panose="020B0604020202020204" pitchFamily="34" charset="0"/>
-              </a:rPr>
-              <a:t>6. Data point 6:</a:t>
-            </a:r>
-            <a:endParaRPr lang="en-US" dirty="0"/>
-          </a:p>
-          <a:p>
-            <a:r>
-              <a:rPr lang="en-US" dirty="0">
-                <a:solidFill>
-                  <a:srgbClr val="595959"/>
-                </a:solidFill>
-                <a:latin typeface="Arial" panose="020B0604020202020204" pitchFamily="34" charset="0"/>
-              </a:rPr>
-              <a:t>7. Data point 7:</a:t>
-            </a:r>
-            <a:endParaRPr lang="en-US" dirty="0"/>
-          </a:p>
-          <a:p>
-            <a:r>
-              <a:rPr lang="en-US" dirty="0">
-                <a:solidFill>
-                  <a:srgbClr val="595959"/>
-                </a:solidFill>
-                <a:latin typeface="Arial" panose="020B0604020202020204" pitchFamily="34" charset="0"/>
-              </a:rPr>
-              <a:t>8. Data point 8:</a:t>
-            </a:r>
-            <a:endParaRPr lang="en-US" dirty="0"/>
-          </a:p>
-          <a:p>
-            <a:r>
-              <a:rPr lang="en-US" dirty="0">
-                <a:solidFill>
-                  <a:srgbClr val="595959"/>
-                </a:solidFill>
-                <a:latin typeface="Arial" panose="020B0604020202020204" pitchFamily="34" charset="0"/>
-              </a:rPr>
-              <a:t>9. Data point 9:</a:t>
-            </a:r>
-            <a:endParaRPr lang="en-US" dirty="0"/>
-          </a:p>
-          <a:p>
-            <a:r>
-              <a:rPr lang="en-US" dirty="0">
-                <a:solidFill>
-                  <a:srgbClr val="595959"/>
-                </a:solidFill>
-                <a:latin typeface="Arial" panose="020B0604020202020204" pitchFamily="34" charset="0"/>
-              </a:rPr>
-              <a:t>10. Data point 10:</a:t>
-            </a:r>
-            <a:endParaRPr lang="en-US" dirty="0"/>
-          </a:p>
-        </p:txBody>
-      </p:sp>
-      <p:sp>
-        <p:nvSpPr>
-          <p:cNvPr id="7" name="Rectangle 6">
-            <a:extLst>
-              <a:ext uri="{FF2B5EF4-FFF2-40B4-BE49-F238E27FC236}">
-                <a16:creationId xmlns:a16="http://schemas.microsoft.com/office/drawing/2014/main" id="{315F7AEE-3A4C-1340-B069-A6BF5F592677}"/>
-              </a:ext>
-            </a:extLst>
-          </p:cNvPr>
-          <p:cNvSpPr/>
-          <p:nvPr/>
-        </p:nvSpPr>
-        <p:spPr>
-          <a:xfrm>
-            <a:off x="351924" y="1975025"/>
-            <a:ext cx="6154152" cy="646331"/>
-          </a:xfrm>
-          <a:prstGeom prst="rect">
-            <a:avLst/>
-          </a:prstGeom>
-        </p:spPr>
-        <p:txBody>
-          <a:bodyPr wrap="square">
-            <a:spAutoFit/>
-          </a:bodyPr>
-          <a:lstStyle/>
-          <a:p>
-            <a:r>
-              <a:rPr lang="en-US" i="1" dirty="0">
-                <a:solidFill>
-                  <a:srgbClr val="062EAB"/>
-                </a:solidFill>
-              </a:rPr>
-              <a:t>This demo is based on IBM’s public data set </a:t>
-            </a:r>
-            <a:r>
-              <a:rPr lang="en-US" i="1" baseline="30000" dirty="0">
-                <a:solidFill>
-                  <a:srgbClr val="062EAB"/>
-                </a:solidFill>
-              </a:rPr>
-              <a:t>1</a:t>
-            </a:r>
-            <a:r>
-              <a:rPr lang="en-US" i="1" dirty="0">
-                <a:solidFill>
-                  <a:srgbClr val="062EAB"/>
-                </a:solidFill>
-              </a:rPr>
-              <a:t> on employee retention. </a:t>
-            </a:r>
-          </a:p>
-        </p:txBody>
-      </p:sp>
-      <p:sp>
-        <p:nvSpPr>
-          <p:cNvPr id="30" name="Rounded Rectangle 29">
-            <a:extLst>
-              <a:ext uri="{FF2B5EF4-FFF2-40B4-BE49-F238E27FC236}">
-                <a16:creationId xmlns:a16="http://schemas.microsoft.com/office/drawing/2014/main" id="{241FA86F-3BE1-FE40-951D-233615E5C6F7}"/>
-              </a:ext>
-            </a:extLst>
-          </p:cNvPr>
-          <p:cNvSpPr/>
-          <p:nvPr/>
-        </p:nvSpPr>
-        <p:spPr>
-          <a:xfrm>
-            <a:off x="204537" y="5509320"/>
-            <a:ext cx="6521115" cy="2538663"/>
-          </a:xfrm>
-          <a:prstGeom prst="roundRect">
-            <a:avLst/>
-          </a:prstGeom>
-          <a:solidFill>
-            <a:schemeClr val="accent1">
-              <a:lumMod val="20000"/>
-              <a:lumOff val="80000"/>
-            </a:schemeClr>
-          </a:solidFill>
+            <a:off x="5245767" y="6376737"/>
+            <a:ext cx="1179094" cy="1043952"/>
+          </a:xfrm>
+          <a:prstGeom prst="ellipse">
+            <a:avLst/>
+          </a:prstGeom>
         </p:spPr>
         <p:style>
           <a:lnRef idx="2">
@@ -6214,85 +5409,23 @@
           </a:fontRef>
         </p:style>
         <p:txBody>
-          <a:bodyPr rtlCol="0" anchor="t"/>
-          <a:lstStyle/>
-          <a:p>
-            <a:r>
-              <a:rPr lang="en-US" b="1" dirty="0">
-                <a:solidFill>
-                  <a:srgbClr val="062EAB"/>
-                </a:solidFill>
-              </a:rPr>
-              <a:t>Results:</a:t>
-            </a:r>
-          </a:p>
-          <a:p>
-            <a:endParaRPr lang="en-US" b="1" dirty="0">
-              <a:solidFill>
-                <a:srgbClr val="062EAB"/>
-              </a:solidFill>
-            </a:endParaRPr>
-          </a:p>
-          <a:p>
-            <a:r>
-              <a:rPr lang="en-US" b="1" dirty="0">
-                <a:solidFill>
-                  <a:srgbClr val="062EAB"/>
-                </a:solidFill>
-              </a:rPr>
-              <a:t>Produce RED / GREEN icon depending on result, with a </a:t>
-            </a:r>
-            <a:r>
-              <a:rPr lang="en-US" b="1">
-                <a:solidFill>
-                  <a:srgbClr val="062EAB"/>
-                </a:solidFill>
-              </a:rPr>
-              <a:t>numeric percent</a:t>
-            </a:r>
-            <a:endParaRPr lang="en-US" b="1" dirty="0">
-              <a:solidFill>
-                <a:srgbClr val="062EAB"/>
-              </a:solidFill>
-            </a:endParaRPr>
-          </a:p>
-          <a:p>
-            <a:endParaRPr lang="en-US" b="1" dirty="0">
-              <a:solidFill>
-                <a:srgbClr val="062EAB"/>
-              </a:solidFill>
-            </a:endParaRPr>
-          </a:p>
-          <a:p>
-            <a:r>
-              <a:rPr lang="en-US" b="1" dirty="0">
-                <a:solidFill>
-                  <a:srgbClr val="062EAB"/>
-                </a:solidFill>
-              </a:rPr>
-              <a:t>Can it produce a dashboard? </a:t>
-            </a:r>
-            <a:endParaRPr lang="en-US" dirty="0">
-              <a:solidFill>
-                <a:srgbClr val="062EAB"/>
-              </a:solidFill>
-            </a:endParaRPr>
-          </a:p>
-          <a:p>
-            <a:endParaRPr lang="en-US" dirty="0">
-              <a:solidFill>
-                <a:srgbClr val="062EAB"/>
-              </a:solidFill>
-            </a:endParaRPr>
-          </a:p>
-        </p:txBody>
-      </p:sp>
-      <p:sp>
-        <p:nvSpPr>
-          <p:cNvPr id="12" name="Rounded Rectangle 11">
+          <a:bodyPr rtlCol="0" anchor="ctr"/>
+          <a:lstStyle/>
+          <a:p>
+            <a:pPr algn="ctr"/>
+            <a:r>
+              <a:rPr lang="en-US" dirty="0"/>
+              <a:t>ICON</a:t>
+            </a:r>
+          </a:p>
+        </p:txBody>
+      </p:sp>
+      <p:sp>
+        <p:nvSpPr>
+          <p:cNvPr id="19" name="Rectangle 18">
             <a:extLst>
               <a:ext uri="{FF2B5EF4-FFF2-40B4-BE49-F238E27FC236}">
-                <a16:creationId xmlns:a16="http://schemas.microsoft.com/office/drawing/2014/main" id="{DFBAC41B-3676-2E4B-9CC8-7162D2E58078}"/>
+                <a16:creationId xmlns:a16="http://schemas.microsoft.com/office/drawing/2014/main" id="{E5780C2C-F6E5-874A-87D5-934F077EAF40}"/>
               </a:ext>
             </a:extLst>
           </p:cNvPr>
@@ -6301,17 +5434,14 @@
         </p:nvSpPr>
         <p:spPr>
           <a:xfrm>
-            <a:off x="275654" y="8212078"/>
-            <a:ext cx="1884014" cy="1773315"/>
-          </a:xfrm>
-          <a:prstGeom prst="roundRect">
+            <a:off x="0" y="655573"/>
+            <a:ext cx="6858000" cy="513200"/>
+          </a:xfrm>
+          <a:prstGeom prst="rect">
             <a:avLst/>
           </a:prstGeom>
           <a:solidFill>
-            <a:schemeClr val="accent1">
-              <a:lumMod val="20000"/>
-              <a:lumOff val="80000"/>
-            </a:schemeClr>
+            <a:srgbClr val="062EAB"/>
           </a:solidFill>
         </p:spPr>
         <p:style>
@@ -6331,55 +5461,69 @@
           </a:fontRef>
         </p:style>
         <p:txBody>
-          <a:bodyPr rtlCol="0" anchor="t"/>
-          <a:lstStyle/>
-          <a:p>
-            <a:r>
-              <a:rPr lang="en-US" b="1" dirty="0">
-                <a:solidFill>
-                  <a:srgbClr val="062EAB"/>
-                </a:solidFill>
-              </a:rPr>
-              <a:t>Case 1: Juanita Perez</a:t>
-            </a:r>
-          </a:p>
-          <a:p>
-            <a:endParaRPr lang="en-US" b="1" dirty="0">
-              <a:solidFill>
-                <a:srgbClr val="062EAB"/>
-              </a:solidFill>
-            </a:endParaRPr>
-          </a:p>
-          <a:p>
-            <a:r>
-              <a:rPr lang="en-US" b="1" dirty="0">
-                <a:solidFill>
-                  <a:srgbClr val="062EAB"/>
-                </a:solidFill>
-              </a:rPr>
-              <a:t>Narrative about her.  </a:t>
-            </a:r>
-            <a:endParaRPr lang="en-US" dirty="0">
-              <a:solidFill>
-                <a:srgbClr val="062EAB"/>
-              </a:solidFill>
-            </a:endParaRPr>
-          </a:p>
-          <a:p>
-            <a:endParaRPr lang="en-US" dirty="0">
-              <a:solidFill>
-                <a:srgbClr val="062EAB"/>
-              </a:solidFill>
-            </a:endParaRPr>
-          </a:p>
-        </p:txBody>
-      </p:sp>
-      <p:sp>
-        <p:nvSpPr>
-          <p:cNvPr id="13" name="Rounded Rectangle 12">
+          <a:bodyPr rtlCol="0" anchor="ctr"/>
+          <a:lstStyle/>
+          <a:p>
+            <a:pPr>
+              <a:tabLst>
+                <a:tab pos="6624638" algn="r"/>
+              </a:tabLst>
+            </a:pPr>
+            <a:r>
+              <a:rPr lang="en-US" sz="1400" dirty="0"/>
+              <a:t>Overview	                                    Demo       About the App       Contact</a:t>
+            </a:r>
+          </a:p>
+        </p:txBody>
+      </p:sp>
+      <p:sp>
+        <p:nvSpPr>
+          <p:cNvPr id="20" name="TextBox 19">
             <a:extLst>
               <a:ext uri="{FF2B5EF4-FFF2-40B4-BE49-F238E27FC236}">
-                <a16:creationId xmlns:a16="http://schemas.microsoft.com/office/drawing/2014/main" id="{8734ECC5-BB11-7C4A-A1F9-1630A8E35D33}"/>
+                <a16:creationId xmlns:a16="http://schemas.microsoft.com/office/drawing/2014/main" id="{829281C0-FB86-8149-BE8B-354249D472EF}"/>
+              </a:ext>
+            </a:extLst>
+          </p:cNvPr>
+          <p:cNvSpPr txBox="1"/>
+          <p:nvPr/>
+        </p:nvSpPr>
+        <p:spPr>
+          <a:xfrm>
+            <a:off x="1263316" y="9541043"/>
+            <a:ext cx="4174958" cy="369332"/>
+          </a:xfrm>
+          <a:prstGeom prst="rect">
+            <a:avLst/>
+          </a:prstGeom>
+          <a:solidFill>
+            <a:srgbClr val="062EAB"/>
+          </a:solidFill>
+        </p:spPr>
+        <p:txBody>
+          <a:bodyPr wrap="square" rtlCol="0">
+            <a:spAutoFit/>
+          </a:bodyPr>
+          <a:lstStyle/>
+          <a:p>
+            <a:pPr algn="ctr"/>
+            <a:r>
+              <a:rPr lang="en-US" dirty="0">
+                <a:solidFill>
+                  <a:schemeClr val="bg1"/>
+                </a:solidFill>
+              </a:rPr>
+              <a:t>Contact us to learn more</a:t>
+            </a:r>
+          </a:p>
+        </p:txBody>
+      </p:sp>
+      <p:sp>
+        <p:nvSpPr>
+          <p:cNvPr id="22" name="Rectangle 21">
+            <a:extLst>
+              <a:ext uri="{FF2B5EF4-FFF2-40B4-BE49-F238E27FC236}">
+                <a16:creationId xmlns:a16="http://schemas.microsoft.com/office/drawing/2014/main" id="{7E9D6125-77AE-6F48-80D3-4D4E8813EB17}"/>
               </a:ext>
             </a:extLst>
           </p:cNvPr>
@@ -6388,16 +5532,16 @@
         </p:nvSpPr>
         <p:spPr>
           <a:xfrm>
-            <a:off x="2667198" y="8212078"/>
-            <a:ext cx="1884014" cy="1773315"/>
-          </a:xfrm>
-          <a:prstGeom prst="roundRect">
+            <a:off x="0" y="10599257"/>
+            <a:ext cx="6858000" cy="513200"/>
+          </a:xfrm>
+          <a:prstGeom prst="rect">
             <a:avLst/>
           </a:prstGeom>
           <a:solidFill>
-            <a:schemeClr val="accent1">
-              <a:lumMod val="20000"/>
-              <a:lumOff val="80000"/>
+            <a:schemeClr val="tx1">
+              <a:lumMod val="50000"/>
+              <a:lumOff val="50000"/>
             </a:schemeClr>
           </a:solidFill>
         </p:spPr>
@@ -6418,55 +5562,122 @@
           </a:fontRef>
         </p:style>
         <p:txBody>
-          <a:bodyPr rtlCol="0" anchor="t"/>
-          <a:lstStyle/>
-          <a:p>
-            <a:r>
-              <a:rPr lang="en-US" b="1" dirty="0">
-                <a:solidFill>
-                  <a:srgbClr val="062EAB"/>
-                </a:solidFill>
-              </a:rPr>
-              <a:t>Case 2: Juanita Perez</a:t>
-            </a:r>
-          </a:p>
-          <a:p>
-            <a:endParaRPr lang="en-US" b="1" dirty="0">
+          <a:bodyPr rtlCol="0" anchor="ctr"/>
+          <a:lstStyle/>
+          <a:p>
+            <a:pPr>
+              <a:tabLst>
+                <a:tab pos="6624638" algn="r"/>
+              </a:tabLst>
+            </a:pPr>
+            <a:r>
+              <a:rPr lang="en-US" sz="1400" dirty="0"/>
+              <a:t>Copyright 2021	</a:t>
+            </a:r>
+          </a:p>
+        </p:txBody>
+      </p:sp>
+      <p:sp>
+        <p:nvSpPr>
+          <p:cNvPr id="18" name="TextBox 17">
+            <a:extLst>
+              <a:ext uri="{FF2B5EF4-FFF2-40B4-BE49-F238E27FC236}">
+                <a16:creationId xmlns:a16="http://schemas.microsoft.com/office/drawing/2014/main" id="{316450ED-C760-DD43-B6DE-827532866F98}"/>
+              </a:ext>
+            </a:extLst>
+          </p:cNvPr>
+          <p:cNvSpPr txBox="1"/>
+          <p:nvPr/>
+        </p:nvSpPr>
+        <p:spPr>
+          <a:xfrm>
+            <a:off x="144377" y="5340659"/>
+            <a:ext cx="6280484" cy="707886"/>
+          </a:xfrm>
+          <a:prstGeom prst="rect">
+            <a:avLst/>
+          </a:prstGeom>
+          <a:noFill/>
+        </p:spPr>
+        <p:txBody>
+          <a:bodyPr wrap="square" rtlCol="0">
+            <a:spAutoFit/>
+          </a:bodyPr>
+          <a:lstStyle/>
+          <a:p>
+            <a:pPr algn="ctr"/>
+            <a:r>
+              <a:rPr lang="en-US" sz="2000" b="1" dirty="0">
+                <a:solidFill>
+                  <a:schemeClr val="tx1">
+                    <a:lumMod val="75000"/>
+                    <a:lumOff val="25000"/>
+                  </a:schemeClr>
+                </a:solidFill>
+              </a:rPr>
+              <a:t>Talent flight costs large corporations a zillion dollars per year</a:t>
+            </a:r>
+            <a:r>
+              <a:rPr lang="en-US" sz="2000" b="1" baseline="30000" dirty="0">
+                <a:solidFill>
+                  <a:schemeClr val="tx1">
+                    <a:lumMod val="75000"/>
+                    <a:lumOff val="25000"/>
+                  </a:schemeClr>
+                </a:solidFill>
+              </a:rPr>
+              <a:t>1</a:t>
+            </a:r>
+            <a:r>
+              <a:rPr lang="en-US" sz="2000" b="1" dirty="0">
+                <a:solidFill>
+                  <a:schemeClr val="tx1">
+                    <a:lumMod val="75000"/>
+                    <a:lumOff val="25000"/>
+                  </a:schemeClr>
+                </a:solidFill>
+              </a:rPr>
+              <a:t>.</a:t>
+            </a:r>
+            <a:r>
+              <a:rPr lang="en-US" sz="2000" b="1" baseline="30000" dirty="0">
+                <a:solidFill>
+                  <a:schemeClr val="tx1">
+                    <a:lumMod val="75000"/>
+                    <a:lumOff val="25000"/>
+                  </a:schemeClr>
+                </a:solidFill>
+              </a:rPr>
+              <a:t>  </a:t>
+            </a:r>
+            <a:r>
+              <a:rPr lang="en-US" sz="2000" b="1" dirty="0">
+                <a:solidFill>
+                  <a:schemeClr val="tx1">
+                    <a:lumMod val="75000"/>
+                    <a:lumOff val="25000"/>
+                  </a:schemeClr>
+                </a:solidFill>
+              </a:rPr>
+              <a:t>The TRP can reduce your costs:</a:t>
+            </a:r>
+            <a:endParaRPr lang="en-US" sz="1400" i="1" dirty="0">
               <a:solidFill>
-                <a:srgbClr val="062EAB"/>
+                <a:schemeClr val="tx1">
+                  <a:lumMod val="75000"/>
+                  <a:lumOff val="25000"/>
+                </a:schemeClr>
               </a:solidFill>
             </a:endParaRPr>
           </a:p>
-          <a:p>
-            <a:r>
-              <a:rPr lang="en-US" b="1" dirty="0">
-                <a:solidFill>
-                  <a:srgbClr val="062EAB"/>
-                </a:solidFill>
-              </a:rPr>
-              <a:t>Narrative about her.  </a:t>
-            </a:r>
-            <a:endParaRPr lang="en-US" dirty="0">
-              <a:solidFill>
-                <a:srgbClr val="062EAB"/>
-              </a:solidFill>
-            </a:endParaRPr>
-          </a:p>
-          <a:p>
-            <a:endParaRPr lang="en-US" dirty="0">
-              <a:solidFill>
-                <a:srgbClr val="062EAB"/>
-              </a:solidFill>
-            </a:endParaRPr>
-          </a:p>
-        </p:txBody>
-      </p:sp>
-      <p:sp>
-        <p:nvSpPr>
-          <p:cNvPr id="14" name="Rounded Rectangle 13">
+        </p:txBody>
+      </p:sp>
+      <p:sp>
+        <p:nvSpPr>
+          <p:cNvPr id="23" name="Rectangle 22">
             <a:extLst>
               <a:ext uri="{FF2B5EF4-FFF2-40B4-BE49-F238E27FC236}">
-                <a16:creationId xmlns:a16="http://schemas.microsoft.com/office/drawing/2014/main" id="{682327B3-C480-EA4C-95AA-DCC034AAF5EC}"/>
+                <a16:creationId xmlns:a16="http://schemas.microsoft.com/office/drawing/2014/main" id="{92B49BB5-6E06-B54B-866E-44C610804DF7}"/>
               </a:ext>
             </a:extLst>
           </p:cNvPr>
@@ -6475,17 +5686,68 @@
         </p:nvSpPr>
         <p:spPr>
           <a:xfrm>
-            <a:off x="5058742" y="8212077"/>
-            <a:ext cx="1884014" cy="1773315"/>
-          </a:xfrm>
-          <a:prstGeom prst="roundRect">
+            <a:off x="4793686" y="10190526"/>
+            <a:ext cx="1980094" cy="369332"/>
+          </a:xfrm>
+          <a:prstGeom prst="rect">
+            <a:avLst/>
+          </a:prstGeom>
+        </p:spPr>
+        <p:txBody>
+          <a:bodyPr wrap="none">
+            <a:spAutoFit/>
+          </a:bodyPr>
+          <a:lstStyle/>
+          <a:p>
+            <a:r>
+              <a:rPr lang="en-US" dirty="0">
+                <a:solidFill>
+                  <a:srgbClr val="062EAB"/>
+                </a:solidFill>
+              </a:rPr>
+              <a:t>(</a:t>
+            </a:r>
+            <a:r>
+              <a:rPr lang="en-US" baseline="30000" dirty="0">
+                <a:solidFill>
+                  <a:srgbClr val="062EAB"/>
+                </a:solidFill>
+              </a:rPr>
+              <a:t>1 </a:t>
+            </a:r>
+            <a:r>
+              <a:rPr lang="en-US" dirty="0">
+                <a:solidFill>
+                  <a:srgbClr val="062EAB"/>
+                </a:solidFill>
+              </a:rPr>
+              <a:t>full citation here)</a:t>
+            </a:r>
+          </a:p>
+        </p:txBody>
+      </p:sp>
+      <p:sp>
+        <p:nvSpPr>
+          <p:cNvPr id="24" name="Rectangle 23">
+            <a:extLst>
+              <a:ext uri="{FF2B5EF4-FFF2-40B4-BE49-F238E27FC236}">
+                <a16:creationId xmlns:a16="http://schemas.microsoft.com/office/drawing/2014/main" id="{64C3C1CE-3E74-9F40-8F1C-C1E85C5003AC}"/>
+              </a:ext>
+            </a:extLst>
+          </p:cNvPr>
+          <p:cNvSpPr/>
+          <p:nvPr/>
+        </p:nvSpPr>
+        <p:spPr>
+          <a:xfrm>
+            <a:off x="4551948" y="1097114"/>
+            <a:ext cx="2306052" cy="723808"/>
+          </a:xfrm>
+          <a:prstGeom prst="rect">
             <a:avLst/>
           </a:prstGeom>
           <a:solidFill>
-            <a:schemeClr val="accent1">
-              <a:lumMod val="20000"/>
-              <a:lumOff val="80000"/>
-            </a:schemeClr>
+            <a:schemeClr val="accent1"/>
           </a:solidFill>
         </p:spPr>
         <p:style>
@@ -6505,258 +5767,39 @@
           </a:fontRef>
         </p:style>
         <p:txBody>
-          <a:bodyPr rtlCol="0" anchor="t"/>
-          <a:lstStyle/>
-          <a:p>
-            <a:r>
-              <a:rPr lang="en-US" b="1" dirty="0">
-                <a:solidFill>
-                  <a:srgbClr val="062EAB"/>
-                </a:solidFill>
-              </a:rPr>
-              <a:t>Case 3: Juanita Perez</a:t>
-            </a:r>
-          </a:p>
-          <a:p>
-            <a:endParaRPr lang="en-US" b="1" dirty="0">
-              <a:solidFill>
-                <a:srgbClr val="062EAB"/>
-              </a:solidFill>
-            </a:endParaRPr>
-          </a:p>
-          <a:p>
-            <a:r>
-              <a:rPr lang="en-US" b="1" dirty="0">
-                <a:solidFill>
-                  <a:srgbClr val="062EAB"/>
-                </a:solidFill>
-              </a:rPr>
-              <a:t>Narrative about her.  </a:t>
-            </a:r>
-            <a:endParaRPr lang="en-US" dirty="0">
-              <a:solidFill>
-                <a:srgbClr val="062EAB"/>
-              </a:solidFill>
-            </a:endParaRPr>
-          </a:p>
-          <a:p>
-            <a:endParaRPr lang="en-US" dirty="0">
-              <a:solidFill>
-                <a:srgbClr val="062EAB"/>
-              </a:solidFill>
-            </a:endParaRPr>
-          </a:p>
-        </p:txBody>
-      </p:sp>
-      <p:sp>
-        <p:nvSpPr>
-          <p:cNvPr id="15" name="Rounded Rectangle 14">
-            <a:extLst>
-              <a:ext uri="{FF2B5EF4-FFF2-40B4-BE49-F238E27FC236}">
-                <a16:creationId xmlns:a16="http://schemas.microsoft.com/office/drawing/2014/main" id="{2F87159A-2485-474A-AC4E-13A9D196BE79}"/>
-              </a:ext>
-            </a:extLst>
-          </p:cNvPr>
-          <p:cNvSpPr/>
-          <p:nvPr/>
-        </p:nvSpPr>
-        <p:spPr>
-          <a:xfrm>
-            <a:off x="204537" y="10127508"/>
-            <a:ext cx="6521115" cy="1921891"/>
-          </a:xfrm>
-          <a:prstGeom prst="roundRect">
-            <a:avLst/>
-          </a:prstGeom>
-          <a:solidFill>
-            <a:schemeClr val="accent1">
-              <a:lumMod val="20000"/>
-              <a:lumOff val="80000"/>
-            </a:schemeClr>
-          </a:solidFill>
-        </p:spPr>
-        <p:style>
-          <a:lnRef idx="2">
-            <a:schemeClr val="accent1">
-              <a:shade val="50000"/>
-            </a:schemeClr>
-          </a:lnRef>
-          <a:fillRef idx="1">
-            <a:schemeClr val="accent1"/>
-          </a:fillRef>
-          <a:effectRef idx="0">
-            <a:schemeClr val="accent1"/>
-          </a:effectRef>
-          <a:fontRef idx="minor">
-            <a:schemeClr val="lt1"/>
-          </a:fontRef>
-        </p:style>
-        <p:txBody>
-          <a:bodyPr rtlCol="0" anchor="t"/>
-          <a:lstStyle/>
-          <a:p>
-            <a:r>
-              <a:rPr lang="en-US" b="1" dirty="0">
-                <a:solidFill>
-                  <a:srgbClr val="062EAB"/>
-                </a:solidFill>
-              </a:rPr>
-              <a:t>Example Reports: </a:t>
-            </a:r>
-            <a:endParaRPr lang="en-US" dirty="0">
-              <a:solidFill>
-                <a:srgbClr val="062EAB"/>
-              </a:solidFill>
-            </a:endParaRPr>
-          </a:p>
-          <a:p>
-            <a:endParaRPr lang="en-US" dirty="0">
-              <a:solidFill>
-                <a:srgbClr val="062EAB"/>
-              </a:solidFill>
-            </a:endParaRPr>
-          </a:p>
-        </p:txBody>
-      </p:sp>
-      <p:sp>
-        <p:nvSpPr>
-          <p:cNvPr id="18" name="Rectangle 17">
-            <a:extLst>
-              <a:ext uri="{FF2B5EF4-FFF2-40B4-BE49-F238E27FC236}">
-                <a16:creationId xmlns:a16="http://schemas.microsoft.com/office/drawing/2014/main" id="{532F9CDB-6900-4B4B-82A5-320D0012C26A}"/>
-              </a:ext>
-            </a:extLst>
-          </p:cNvPr>
-          <p:cNvSpPr/>
-          <p:nvPr/>
-        </p:nvSpPr>
-        <p:spPr>
-          <a:xfrm>
-            <a:off x="634144" y="10520764"/>
-            <a:ext cx="3429000" cy="1200329"/>
-          </a:xfrm>
-          <a:prstGeom prst="rect">
-            <a:avLst/>
-          </a:prstGeom>
-        </p:spPr>
-        <p:txBody>
-          <a:bodyPr>
-            <a:spAutoFit/>
-          </a:bodyPr>
-          <a:lstStyle/>
-          <a:p>
-            <a:pPr fontAlgn="base">
-              <a:buFont typeface="+mj-lt"/>
-              <a:buAutoNum type="arabicPeriod"/>
+          <a:bodyPr rtlCol="0" anchor="ctr"/>
+          <a:lstStyle/>
+          <a:p>
+            <a:pPr>
+              <a:tabLst>
+                <a:tab pos="6624638" algn="r"/>
+              </a:tabLst>
             </a:pPr>
             <a:r>
-              <a:rPr lang="en-US" dirty="0">
-                <a:solidFill>
-                  <a:srgbClr val="595959"/>
-                </a:solidFill>
-                <a:latin typeface="Arial" panose="020B0604020202020204" pitchFamily="34" charset="0"/>
-              </a:rPr>
-              <a:t> Top X risks</a:t>
-            </a:r>
-          </a:p>
-          <a:p>
-            <a:pPr fontAlgn="base"/>
-            <a:r>
-              <a:rPr lang="en-US" dirty="0">
-                <a:solidFill>
-                  <a:srgbClr val="595959"/>
-                </a:solidFill>
-                <a:latin typeface="Arial" panose="020B0604020202020204" pitchFamily="34" charset="0"/>
-              </a:rPr>
-              <a:t>(enter the number you want and it runs the query) </a:t>
-            </a:r>
-          </a:p>
-          <a:p>
-            <a:pPr fontAlgn="base"/>
-            <a:endParaRPr lang="en-US" dirty="0"/>
-          </a:p>
-        </p:txBody>
-      </p:sp>
-      <p:sp>
-        <p:nvSpPr>
-          <p:cNvPr id="20" name="Rectangle 19">
-            <a:extLst>
-              <a:ext uri="{FF2B5EF4-FFF2-40B4-BE49-F238E27FC236}">
-                <a16:creationId xmlns:a16="http://schemas.microsoft.com/office/drawing/2014/main" id="{06973FCF-389E-4249-A9B9-A906739138BB}"/>
-              </a:ext>
-            </a:extLst>
-          </p:cNvPr>
-          <p:cNvSpPr/>
-          <p:nvPr/>
-        </p:nvSpPr>
-        <p:spPr>
-          <a:xfrm>
-            <a:off x="4063143" y="10245181"/>
-            <a:ext cx="3092115" cy="646331"/>
-          </a:xfrm>
-          <a:prstGeom prst="rect">
-            <a:avLst/>
-          </a:prstGeom>
-        </p:spPr>
-        <p:txBody>
-          <a:bodyPr wrap="square">
-            <a:spAutoFit/>
-          </a:bodyPr>
-          <a:lstStyle/>
-          <a:p>
-            <a:br>
-              <a:rPr lang="en-US" dirty="0"/>
-            </a:br>
-            <a:r>
-              <a:rPr lang="en-US" dirty="0">
-                <a:solidFill>
-                  <a:srgbClr val="595959"/>
-                </a:solidFill>
-                <a:latin typeface="Arial" panose="020B0604020202020204" pitchFamily="34" charset="0"/>
-              </a:rPr>
-              <a:t>2.  </a:t>
-            </a:r>
-            <a:endParaRPr lang="en-US" dirty="0"/>
-          </a:p>
-        </p:txBody>
-      </p:sp>
-      <p:sp>
-        <p:nvSpPr>
-          <p:cNvPr id="8" name="TextBox 7">
-            <a:extLst>
-              <a:ext uri="{FF2B5EF4-FFF2-40B4-BE49-F238E27FC236}">
-                <a16:creationId xmlns:a16="http://schemas.microsoft.com/office/drawing/2014/main" id="{6F1714FC-8B49-E740-8D6A-A40034212709}"/>
-              </a:ext>
-            </a:extLst>
-          </p:cNvPr>
-          <p:cNvSpPr txBox="1"/>
-          <p:nvPr/>
-        </p:nvSpPr>
-        <p:spPr>
-          <a:xfrm>
-            <a:off x="4423196" y="5039906"/>
-            <a:ext cx="980908" cy="369332"/>
-          </a:xfrm>
-          <a:prstGeom prst="rect">
-            <a:avLst/>
-          </a:prstGeom>
-          <a:solidFill>
-            <a:schemeClr val="tx2"/>
-          </a:solidFill>
-        </p:spPr>
-        <p:txBody>
-          <a:bodyPr wrap="square" rtlCol="0">
-            <a:spAutoFit/>
-          </a:bodyPr>
-          <a:lstStyle/>
-          <a:p>
-            <a:r>
-              <a:rPr lang="en-US" dirty="0">
-                <a:solidFill>
-                  <a:schemeClr val="bg1"/>
-                </a:solidFill>
-              </a:rPr>
-              <a:t>Submit</a:t>
+              <a:rPr lang="en-US" sz="1400" dirty="0"/>
+              <a:t>The ML Model</a:t>
+            </a:r>
+          </a:p>
+          <a:p>
+            <a:pPr>
+              <a:tabLst>
+                <a:tab pos="6624638" algn="r"/>
+              </a:tabLst>
+            </a:pPr>
+            <a:r>
+              <a:rPr lang="en-US" sz="1400" dirty="0"/>
+              <a:t>Data deep dive visualization</a:t>
+            </a:r>
+          </a:p>
+          <a:p>
+            <a:pPr>
+              <a:tabLst>
+                <a:tab pos="6624638" algn="r"/>
+              </a:tabLst>
+            </a:pPr>
+            <a:r>
+              <a:rPr lang="en-US" sz="1400" dirty="0"/>
+              <a:t>The data source</a:t>
             </a:r>
           </a:p>
         </p:txBody>
@@ -6764,7 +5807,7 @@
     </p:spTree>
     <p:extLst>
       <p:ext uri="{BB962C8B-B14F-4D97-AF65-F5344CB8AC3E}">
-        <p14:creationId xmlns:p14="http://schemas.microsoft.com/office/powerpoint/2010/main" val="4051795244"/>
+        <p14:creationId xmlns:p14="http://schemas.microsoft.com/office/powerpoint/2010/main" val="2269669178"/>
       </p:ext>
     </p:extLst>
   </p:cSld>
@@ -6912,7 +5955,7 @@
                   <a:srgbClr val="062EAB"/>
                 </a:solidFill>
               </a:rPr>
-              <a:t>The Machine Learning Model</a:t>
+              <a:t>Demo</a:t>
             </a:r>
             <a:endParaRPr lang="en-US" i="1" dirty="0">
               <a:solidFill>
@@ -6924,10 +5967,10 @@
       </p:sp>
       <p:sp>
         <p:nvSpPr>
-          <p:cNvPr id="6" name="Rectangle 5">
+          <p:cNvPr id="2" name="Rounded Rectangle 1">
             <a:extLst>
               <a:ext uri="{FF2B5EF4-FFF2-40B4-BE49-F238E27FC236}">
-                <a16:creationId xmlns:a16="http://schemas.microsoft.com/office/drawing/2014/main" id="{A678DB2F-D068-D34B-941C-1D6FCD7536F4}"/>
+                <a16:creationId xmlns:a16="http://schemas.microsoft.com/office/drawing/2014/main" id="{CCF80E51-D0B9-B149-B964-73309B31A165}"/>
               </a:ext>
             </a:extLst>
           </p:cNvPr>
@@ -6936,170 +5979,16 @@
         </p:nvSpPr>
         <p:spPr>
           <a:xfrm>
-            <a:off x="4619432" y="10455359"/>
-            <a:ext cx="1980094" cy="369332"/>
-          </a:xfrm>
-          <a:prstGeom prst="rect">
-            <a:avLst/>
-          </a:prstGeom>
-        </p:spPr>
-        <p:txBody>
-          <a:bodyPr wrap="none">
-            <a:spAutoFit/>
-          </a:bodyPr>
-          <a:lstStyle/>
-          <a:p>
-            <a:r>
-              <a:rPr lang="en-US" dirty="0">
-                <a:solidFill>
-                  <a:srgbClr val="062EAB"/>
-                </a:solidFill>
-              </a:rPr>
-              <a:t>(</a:t>
-            </a:r>
-            <a:r>
-              <a:rPr lang="en-US" baseline="30000" dirty="0">
-                <a:solidFill>
-                  <a:srgbClr val="062EAB"/>
-                </a:solidFill>
-              </a:rPr>
-              <a:t>1 </a:t>
-            </a:r>
-            <a:r>
-              <a:rPr lang="en-US" dirty="0">
-                <a:solidFill>
-                  <a:srgbClr val="062EAB"/>
-                </a:solidFill>
-              </a:rPr>
-              <a:t>full citation here)</a:t>
-            </a:r>
-          </a:p>
-        </p:txBody>
-      </p:sp>
-      <p:sp>
-        <p:nvSpPr>
-          <p:cNvPr id="7" name="Rectangle 6">
-            <a:extLst>
-              <a:ext uri="{FF2B5EF4-FFF2-40B4-BE49-F238E27FC236}">
-                <a16:creationId xmlns:a16="http://schemas.microsoft.com/office/drawing/2014/main" id="{315F7AEE-3A4C-1340-B069-A6BF5F592677}"/>
-              </a:ext>
-            </a:extLst>
-          </p:cNvPr>
-          <p:cNvSpPr/>
-          <p:nvPr/>
-        </p:nvSpPr>
-        <p:spPr>
-          <a:xfrm>
-            <a:off x="351924" y="1975025"/>
-            <a:ext cx="6154152" cy="1200329"/>
-          </a:xfrm>
-          <a:prstGeom prst="rect">
-            <a:avLst/>
-          </a:prstGeom>
-        </p:spPr>
-        <p:txBody>
-          <a:bodyPr wrap="square">
-            <a:spAutoFit/>
-          </a:bodyPr>
-          <a:lstStyle/>
-          <a:p>
-            <a:r>
-              <a:rPr lang="en-US" dirty="0">
-                <a:solidFill>
-                  <a:srgbClr val="062EAB"/>
-                </a:solidFill>
-              </a:rPr>
-              <a:t>Ken Note: Ideally, this is the Google </a:t>
-            </a:r>
-            <a:r>
-              <a:rPr lang="en-US" dirty="0" err="1">
-                <a:solidFill>
-                  <a:srgbClr val="062EAB"/>
-                </a:solidFill>
-              </a:rPr>
-              <a:t>Colab</a:t>
-            </a:r>
-            <a:r>
-              <a:rPr lang="en-US" dirty="0">
-                <a:solidFill>
-                  <a:srgbClr val="062EAB"/>
-                </a:solidFill>
-              </a:rPr>
-              <a:t> embedded directly into the site, if that can be done, a little like the example we saw in Kaggle. If not, I’ll build it with screen shots. We’ll need the </a:t>
-            </a:r>
-            <a:r>
-              <a:rPr lang="en-US" dirty="0" err="1">
-                <a:solidFill>
-                  <a:srgbClr val="062EAB"/>
-                </a:solidFill>
-              </a:rPr>
-              <a:t>Colab</a:t>
-            </a:r>
-            <a:r>
-              <a:rPr lang="en-US" dirty="0">
-                <a:solidFill>
-                  <a:srgbClr val="062EAB"/>
-                </a:solidFill>
-              </a:rPr>
-              <a:t> doc to be well documented with explanations etc. </a:t>
-            </a:r>
-          </a:p>
-        </p:txBody>
-      </p:sp>
-      <p:pic>
-        <p:nvPicPr>
-          <p:cNvPr id="8" name="Picture 7">
-            <a:extLst>
-              <a:ext uri="{FF2B5EF4-FFF2-40B4-BE49-F238E27FC236}">
-                <a16:creationId xmlns:a16="http://schemas.microsoft.com/office/drawing/2014/main" id="{2AF5B352-9978-344E-A4EA-153D1D1B48C2}"/>
-              </a:ext>
-            </a:extLst>
-          </p:cNvPr>
-          <p:cNvPicPr>
-            <a:picLocks noChangeAspect="1"/>
-          </p:cNvPicPr>
-          <p:nvPr/>
-        </p:nvPicPr>
-        <p:blipFill>
-          <a:blip r:embed="rId4"/>
-          <a:stretch>
-            <a:fillRect/>
-          </a:stretch>
-        </p:blipFill>
-        <p:spPr>
-          <a:xfrm>
-            <a:off x="0" y="3582042"/>
-            <a:ext cx="6858000" cy="7954385"/>
-          </a:xfrm>
-          <a:prstGeom prst="rect">
-            <a:avLst/>
-          </a:prstGeom>
-        </p:spPr>
-      </p:pic>
-      <p:sp>
-        <p:nvSpPr>
-          <p:cNvPr id="12" name="Rectangle 11">
-            <a:extLst>
-              <a:ext uri="{FF2B5EF4-FFF2-40B4-BE49-F238E27FC236}">
-                <a16:creationId xmlns:a16="http://schemas.microsoft.com/office/drawing/2014/main" id="{CB2C140E-AD2D-244D-85BB-D1CA8CA59928}"/>
-              </a:ext>
-            </a:extLst>
-          </p:cNvPr>
-          <p:cNvSpPr/>
-          <p:nvPr/>
-        </p:nvSpPr>
-        <p:spPr>
-          <a:xfrm>
-            <a:off x="0" y="11678800"/>
-            <a:ext cx="6858000" cy="513200"/>
-          </a:xfrm>
-          <a:prstGeom prst="rect">
+            <a:off x="204537" y="2695074"/>
+            <a:ext cx="6521115" cy="2538663"/>
+          </a:xfrm>
+          <a:prstGeom prst="roundRect">
             <a:avLst/>
           </a:prstGeom>
           <a:solidFill>
-            <a:schemeClr val="tx1">
-              <a:lumMod val="50000"/>
-              <a:lumOff val="50000"/>
+            <a:schemeClr val="accent1">
+              <a:lumMod val="20000"/>
+              <a:lumOff val="80000"/>
             </a:schemeClr>
           </a:solidFill>
         </p:spPr>
@@ -7120,17 +6009,869 @@
           </a:fontRef>
         </p:style>
         <p:txBody>
-          <a:bodyPr rtlCol="0" anchor="ctr"/>
-          <a:lstStyle/>
-          <a:p>
-            <a:pPr>
-              <a:tabLst>
-                <a:tab pos="6624638" algn="r"/>
-              </a:tabLst>
+          <a:bodyPr rtlCol="0" anchor="t"/>
+          <a:lstStyle/>
+          <a:p>
+            <a:r>
+              <a:rPr lang="en-US" b="1" dirty="0">
+                <a:solidFill>
+                  <a:srgbClr val="062EAB"/>
+                </a:solidFill>
+              </a:rPr>
+              <a:t>Instructions: </a:t>
+            </a:r>
+            <a:r>
+              <a:rPr lang="en-US" dirty="0">
+                <a:solidFill>
+                  <a:srgbClr val="062EAB"/>
+                </a:solidFill>
+              </a:rPr>
+              <a:t>Enter data from the profile of a hypothetical manager at IBM:</a:t>
+            </a:r>
+          </a:p>
+        </p:txBody>
+      </p:sp>
+      <p:sp>
+        <p:nvSpPr>
+          <p:cNvPr id="3" name="Rectangle 2">
+            <a:extLst>
+              <a:ext uri="{FF2B5EF4-FFF2-40B4-BE49-F238E27FC236}">
+                <a16:creationId xmlns:a16="http://schemas.microsoft.com/office/drawing/2014/main" id="{EFB2900C-F23A-CE47-B144-5311F90401C2}"/>
+              </a:ext>
+            </a:extLst>
+          </p:cNvPr>
+          <p:cNvSpPr/>
+          <p:nvPr/>
+        </p:nvSpPr>
+        <p:spPr>
+          <a:xfrm>
+            <a:off x="438484" y="3555954"/>
+            <a:ext cx="3429000" cy="2031325"/>
+          </a:xfrm>
+          <a:prstGeom prst="rect">
+            <a:avLst/>
+          </a:prstGeom>
+        </p:spPr>
+        <p:txBody>
+          <a:bodyPr>
+            <a:spAutoFit/>
+          </a:bodyPr>
+          <a:lstStyle/>
+          <a:p>
+            <a:pPr fontAlgn="base">
+              <a:buFont typeface="+mj-lt"/>
+              <a:buAutoNum type="arabicPeriod"/>
             </a:pPr>
             <a:r>
-              <a:rPr lang="en-US" sz="1400" dirty="0"/>
-              <a:t>Copyright 2021	</a:t>
+              <a:rPr lang="en-US" dirty="0">
+                <a:solidFill>
+                  <a:srgbClr val="595959"/>
+                </a:solidFill>
+                <a:latin typeface="Arial" panose="020B0604020202020204" pitchFamily="34" charset="0"/>
+              </a:rPr>
+              <a:t> Age: </a:t>
+            </a:r>
+          </a:p>
+          <a:p>
+            <a:pPr fontAlgn="base">
+              <a:buFont typeface="+mj-lt"/>
+              <a:buAutoNum type="arabicPeriod"/>
+            </a:pPr>
+            <a:r>
+              <a:rPr lang="en-US" dirty="0">
+                <a:solidFill>
+                  <a:srgbClr val="595959"/>
+                </a:solidFill>
+                <a:latin typeface="Arial" panose="020B0604020202020204" pitchFamily="34" charset="0"/>
+              </a:rPr>
+              <a:t> Gender:</a:t>
+            </a:r>
+          </a:p>
+          <a:p>
+            <a:pPr fontAlgn="base">
+              <a:buFont typeface="+mj-lt"/>
+              <a:buAutoNum type="arabicPeriod"/>
+            </a:pPr>
+            <a:r>
+              <a:rPr lang="en-US" dirty="0">
+                <a:solidFill>
+                  <a:srgbClr val="595959"/>
+                </a:solidFill>
+                <a:latin typeface="Arial" panose="020B0604020202020204" pitchFamily="34" charset="0"/>
+              </a:rPr>
+              <a:t> Data point 3: </a:t>
+            </a:r>
+          </a:p>
+          <a:p>
+            <a:pPr fontAlgn="base">
+              <a:buFont typeface="+mj-lt"/>
+              <a:buAutoNum type="arabicPeriod"/>
+            </a:pPr>
+            <a:r>
+              <a:rPr lang="en-US" dirty="0">
+                <a:solidFill>
+                  <a:srgbClr val="595959"/>
+                </a:solidFill>
+                <a:latin typeface="Arial" panose="020B0604020202020204" pitchFamily="34" charset="0"/>
+              </a:rPr>
+              <a:t> Data point 4:</a:t>
+            </a:r>
+          </a:p>
+          <a:p>
+            <a:pPr fontAlgn="base">
+              <a:buFont typeface="+mj-lt"/>
+              <a:buAutoNum type="arabicPeriod"/>
+            </a:pPr>
+            <a:r>
+              <a:rPr lang="en-US" dirty="0">
+                <a:solidFill>
+                  <a:srgbClr val="595959"/>
+                </a:solidFill>
+                <a:latin typeface="Arial" panose="020B0604020202020204" pitchFamily="34" charset="0"/>
+              </a:rPr>
+              <a:t>  Data point 5:</a:t>
+            </a:r>
+          </a:p>
+          <a:p>
+            <a:br>
+              <a:rPr lang="en-US" dirty="0"/>
+            </a:br>
+            <a:endParaRPr lang="en-US" dirty="0"/>
+          </a:p>
+        </p:txBody>
+      </p:sp>
+      <p:sp>
+        <p:nvSpPr>
+          <p:cNvPr id="4" name="Rectangle 3">
+            <a:extLst>
+              <a:ext uri="{FF2B5EF4-FFF2-40B4-BE49-F238E27FC236}">
+                <a16:creationId xmlns:a16="http://schemas.microsoft.com/office/drawing/2014/main" id="{99E0A222-F7F2-B640-9A95-807DB0DF4D2B}"/>
+              </a:ext>
+            </a:extLst>
+          </p:cNvPr>
+          <p:cNvSpPr/>
+          <p:nvPr/>
+        </p:nvSpPr>
+        <p:spPr>
+          <a:xfrm>
+            <a:off x="3530599" y="3280371"/>
+            <a:ext cx="3429000" cy="1754326"/>
+          </a:xfrm>
+          <a:prstGeom prst="rect">
+            <a:avLst/>
+          </a:prstGeom>
+        </p:spPr>
+        <p:txBody>
+          <a:bodyPr>
+            <a:spAutoFit/>
+          </a:bodyPr>
+          <a:lstStyle/>
+          <a:p>
+            <a:br>
+              <a:rPr lang="en-US" dirty="0"/>
+            </a:br>
+            <a:r>
+              <a:rPr lang="en-US" dirty="0">
+                <a:solidFill>
+                  <a:srgbClr val="595959"/>
+                </a:solidFill>
+                <a:latin typeface="Arial" panose="020B0604020202020204" pitchFamily="34" charset="0"/>
+              </a:rPr>
+              <a:t>6. Data point 6:</a:t>
+            </a:r>
+            <a:endParaRPr lang="en-US" dirty="0"/>
+          </a:p>
+          <a:p>
+            <a:r>
+              <a:rPr lang="en-US" dirty="0">
+                <a:solidFill>
+                  <a:srgbClr val="595959"/>
+                </a:solidFill>
+                <a:latin typeface="Arial" panose="020B0604020202020204" pitchFamily="34" charset="0"/>
+              </a:rPr>
+              <a:t>7. Data point 7:</a:t>
+            </a:r>
+            <a:endParaRPr lang="en-US" dirty="0"/>
+          </a:p>
+          <a:p>
+            <a:r>
+              <a:rPr lang="en-US" dirty="0">
+                <a:solidFill>
+                  <a:srgbClr val="595959"/>
+                </a:solidFill>
+                <a:latin typeface="Arial" panose="020B0604020202020204" pitchFamily="34" charset="0"/>
+              </a:rPr>
+              <a:t>8. Data point 8:</a:t>
+            </a:r>
+            <a:endParaRPr lang="en-US" dirty="0"/>
+          </a:p>
+          <a:p>
+            <a:r>
+              <a:rPr lang="en-US" dirty="0">
+                <a:solidFill>
+                  <a:srgbClr val="595959"/>
+                </a:solidFill>
+                <a:latin typeface="Arial" panose="020B0604020202020204" pitchFamily="34" charset="0"/>
+              </a:rPr>
+              <a:t>9. Data point 9:</a:t>
+            </a:r>
+            <a:endParaRPr lang="en-US" dirty="0"/>
+          </a:p>
+          <a:p>
+            <a:r>
+              <a:rPr lang="en-US" dirty="0">
+                <a:solidFill>
+                  <a:srgbClr val="595959"/>
+                </a:solidFill>
+                <a:latin typeface="Arial" panose="020B0604020202020204" pitchFamily="34" charset="0"/>
+              </a:rPr>
+              <a:t>10. Data point 10:</a:t>
+            </a:r>
+            <a:endParaRPr lang="en-US" dirty="0"/>
+          </a:p>
+        </p:txBody>
+      </p:sp>
+      <p:sp>
+        <p:nvSpPr>
+          <p:cNvPr id="7" name="Rectangle 6">
+            <a:extLst>
+              <a:ext uri="{FF2B5EF4-FFF2-40B4-BE49-F238E27FC236}">
+                <a16:creationId xmlns:a16="http://schemas.microsoft.com/office/drawing/2014/main" id="{315F7AEE-3A4C-1340-B069-A6BF5F592677}"/>
+              </a:ext>
+            </a:extLst>
+          </p:cNvPr>
+          <p:cNvSpPr/>
+          <p:nvPr/>
+        </p:nvSpPr>
+        <p:spPr>
+          <a:xfrm>
+            <a:off x="351924" y="1975025"/>
+            <a:ext cx="6154152" cy="646331"/>
+          </a:xfrm>
+          <a:prstGeom prst="rect">
+            <a:avLst/>
+          </a:prstGeom>
+        </p:spPr>
+        <p:txBody>
+          <a:bodyPr wrap="square">
+            <a:spAutoFit/>
+          </a:bodyPr>
+          <a:lstStyle/>
+          <a:p>
+            <a:r>
+              <a:rPr lang="en-US" i="1" dirty="0">
+                <a:solidFill>
+                  <a:srgbClr val="062EAB"/>
+                </a:solidFill>
+              </a:rPr>
+              <a:t>This demo is based on IBM’s public data set </a:t>
+            </a:r>
+            <a:r>
+              <a:rPr lang="en-US" i="1" baseline="30000" dirty="0">
+                <a:solidFill>
+                  <a:srgbClr val="062EAB"/>
+                </a:solidFill>
+              </a:rPr>
+              <a:t>1</a:t>
+            </a:r>
+            <a:r>
+              <a:rPr lang="en-US" i="1" dirty="0">
+                <a:solidFill>
+                  <a:srgbClr val="062EAB"/>
+                </a:solidFill>
+              </a:rPr>
+              <a:t> on employee retention. </a:t>
+            </a:r>
+          </a:p>
+        </p:txBody>
+      </p:sp>
+      <p:sp>
+        <p:nvSpPr>
+          <p:cNvPr id="30" name="Rounded Rectangle 29">
+            <a:extLst>
+              <a:ext uri="{FF2B5EF4-FFF2-40B4-BE49-F238E27FC236}">
+                <a16:creationId xmlns:a16="http://schemas.microsoft.com/office/drawing/2014/main" id="{241FA86F-3BE1-FE40-951D-233615E5C6F7}"/>
+              </a:ext>
+            </a:extLst>
+          </p:cNvPr>
+          <p:cNvSpPr/>
+          <p:nvPr/>
+        </p:nvSpPr>
+        <p:spPr>
+          <a:xfrm>
+            <a:off x="204537" y="5509320"/>
+            <a:ext cx="6521115" cy="2538663"/>
+          </a:xfrm>
+          <a:prstGeom prst="roundRect">
+            <a:avLst/>
+          </a:prstGeom>
+          <a:solidFill>
+            <a:schemeClr val="accent1">
+              <a:lumMod val="20000"/>
+              <a:lumOff val="80000"/>
+            </a:schemeClr>
+          </a:solidFill>
+        </p:spPr>
+        <p:style>
+          <a:lnRef idx="2">
+            <a:schemeClr val="accent1">
+              <a:shade val="50000"/>
+            </a:schemeClr>
+          </a:lnRef>
+          <a:fillRef idx="1">
+            <a:schemeClr val="accent1"/>
+          </a:fillRef>
+          <a:effectRef idx="0">
+            <a:schemeClr val="accent1"/>
+          </a:effectRef>
+          <a:fontRef idx="minor">
+            <a:schemeClr val="lt1"/>
+          </a:fontRef>
+        </p:style>
+        <p:txBody>
+          <a:bodyPr rtlCol="0" anchor="t"/>
+          <a:lstStyle/>
+          <a:p>
+            <a:r>
+              <a:rPr lang="en-US" b="1" dirty="0">
+                <a:solidFill>
+                  <a:srgbClr val="062EAB"/>
+                </a:solidFill>
+              </a:rPr>
+              <a:t>Results:</a:t>
+            </a:r>
+          </a:p>
+          <a:p>
+            <a:endParaRPr lang="en-US" b="1" dirty="0">
+              <a:solidFill>
+                <a:srgbClr val="062EAB"/>
+              </a:solidFill>
+            </a:endParaRPr>
+          </a:p>
+          <a:p>
+            <a:r>
+              <a:rPr lang="en-US" b="1" dirty="0">
+                <a:solidFill>
+                  <a:srgbClr val="062EAB"/>
+                </a:solidFill>
+              </a:rPr>
+              <a:t>Produce RED / GREEN icon depending on result, with a </a:t>
+            </a:r>
+            <a:r>
+              <a:rPr lang="en-US" b="1">
+                <a:solidFill>
+                  <a:srgbClr val="062EAB"/>
+                </a:solidFill>
+              </a:rPr>
+              <a:t>numeric percent</a:t>
+            </a:r>
+            <a:endParaRPr lang="en-US" b="1" dirty="0">
+              <a:solidFill>
+                <a:srgbClr val="062EAB"/>
+              </a:solidFill>
+            </a:endParaRPr>
+          </a:p>
+          <a:p>
+            <a:endParaRPr lang="en-US" b="1" dirty="0">
+              <a:solidFill>
+                <a:srgbClr val="062EAB"/>
+              </a:solidFill>
+            </a:endParaRPr>
+          </a:p>
+          <a:p>
+            <a:r>
+              <a:rPr lang="en-US" b="1" dirty="0">
+                <a:solidFill>
+                  <a:srgbClr val="062EAB"/>
+                </a:solidFill>
+              </a:rPr>
+              <a:t>Can it produce a dashboard? </a:t>
+            </a:r>
+            <a:endParaRPr lang="en-US" dirty="0">
+              <a:solidFill>
+                <a:srgbClr val="062EAB"/>
+              </a:solidFill>
+            </a:endParaRPr>
+          </a:p>
+          <a:p>
+            <a:endParaRPr lang="en-US" dirty="0">
+              <a:solidFill>
+                <a:srgbClr val="062EAB"/>
+              </a:solidFill>
+            </a:endParaRPr>
+          </a:p>
+        </p:txBody>
+      </p:sp>
+      <p:sp>
+        <p:nvSpPr>
+          <p:cNvPr id="12" name="Rounded Rectangle 11">
+            <a:extLst>
+              <a:ext uri="{FF2B5EF4-FFF2-40B4-BE49-F238E27FC236}">
+                <a16:creationId xmlns:a16="http://schemas.microsoft.com/office/drawing/2014/main" id="{DFBAC41B-3676-2E4B-9CC8-7162D2E58078}"/>
+              </a:ext>
+            </a:extLst>
+          </p:cNvPr>
+          <p:cNvSpPr/>
+          <p:nvPr/>
+        </p:nvSpPr>
+        <p:spPr>
+          <a:xfrm>
+            <a:off x="275654" y="8212078"/>
+            <a:ext cx="1884014" cy="1773315"/>
+          </a:xfrm>
+          <a:prstGeom prst="roundRect">
+            <a:avLst/>
+          </a:prstGeom>
+          <a:solidFill>
+            <a:schemeClr val="accent1">
+              <a:lumMod val="20000"/>
+              <a:lumOff val="80000"/>
+            </a:schemeClr>
+          </a:solidFill>
+        </p:spPr>
+        <p:style>
+          <a:lnRef idx="2">
+            <a:schemeClr val="accent1">
+              <a:shade val="50000"/>
+            </a:schemeClr>
+          </a:lnRef>
+          <a:fillRef idx="1">
+            <a:schemeClr val="accent1"/>
+          </a:fillRef>
+          <a:effectRef idx="0">
+            <a:schemeClr val="accent1"/>
+          </a:effectRef>
+          <a:fontRef idx="minor">
+            <a:schemeClr val="lt1"/>
+          </a:fontRef>
+        </p:style>
+        <p:txBody>
+          <a:bodyPr rtlCol="0" anchor="t"/>
+          <a:lstStyle/>
+          <a:p>
+            <a:r>
+              <a:rPr lang="en-US" b="1" dirty="0">
+                <a:solidFill>
+                  <a:srgbClr val="062EAB"/>
+                </a:solidFill>
+              </a:rPr>
+              <a:t>Case 1: Juanita Perez</a:t>
+            </a:r>
+          </a:p>
+          <a:p>
+            <a:endParaRPr lang="en-US" b="1" dirty="0">
+              <a:solidFill>
+                <a:srgbClr val="062EAB"/>
+              </a:solidFill>
+            </a:endParaRPr>
+          </a:p>
+          <a:p>
+            <a:r>
+              <a:rPr lang="en-US" b="1" dirty="0">
+                <a:solidFill>
+                  <a:srgbClr val="062EAB"/>
+                </a:solidFill>
+              </a:rPr>
+              <a:t>Narrative about her.  </a:t>
+            </a:r>
+            <a:endParaRPr lang="en-US" dirty="0">
+              <a:solidFill>
+                <a:srgbClr val="062EAB"/>
+              </a:solidFill>
+            </a:endParaRPr>
+          </a:p>
+          <a:p>
+            <a:endParaRPr lang="en-US" dirty="0">
+              <a:solidFill>
+                <a:srgbClr val="062EAB"/>
+              </a:solidFill>
+            </a:endParaRPr>
+          </a:p>
+        </p:txBody>
+      </p:sp>
+      <p:sp>
+        <p:nvSpPr>
+          <p:cNvPr id="13" name="Rounded Rectangle 12">
+            <a:extLst>
+              <a:ext uri="{FF2B5EF4-FFF2-40B4-BE49-F238E27FC236}">
+                <a16:creationId xmlns:a16="http://schemas.microsoft.com/office/drawing/2014/main" id="{8734ECC5-BB11-7C4A-A1F9-1630A8E35D33}"/>
+              </a:ext>
+            </a:extLst>
+          </p:cNvPr>
+          <p:cNvSpPr/>
+          <p:nvPr/>
+        </p:nvSpPr>
+        <p:spPr>
+          <a:xfrm>
+            <a:off x="2667198" y="8212078"/>
+            <a:ext cx="1884014" cy="1773315"/>
+          </a:xfrm>
+          <a:prstGeom prst="roundRect">
+            <a:avLst/>
+          </a:prstGeom>
+          <a:solidFill>
+            <a:schemeClr val="accent1">
+              <a:lumMod val="20000"/>
+              <a:lumOff val="80000"/>
+            </a:schemeClr>
+          </a:solidFill>
+        </p:spPr>
+        <p:style>
+          <a:lnRef idx="2">
+            <a:schemeClr val="accent1">
+              <a:shade val="50000"/>
+            </a:schemeClr>
+          </a:lnRef>
+          <a:fillRef idx="1">
+            <a:schemeClr val="accent1"/>
+          </a:fillRef>
+          <a:effectRef idx="0">
+            <a:schemeClr val="accent1"/>
+          </a:effectRef>
+          <a:fontRef idx="minor">
+            <a:schemeClr val="lt1"/>
+          </a:fontRef>
+        </p:style>
+        <p:txBody>
+          <a:bodyPr rtlCol="0" anchor="t"/>
+          <a:lstStyle/>
+          <a:p>
+            <a:r>
+              <a:rPr lang="en-US" b="1" dirty="0">
+                <a:solidFill>
+                  <a:srgbClr val="062EAB"/>
+                </a:solidFill>
+              </a:rPr>
+              <a:t>Case 2: Juanita Perez</a:t>
+            </a:r>
+          </a:p>
+          <a:p>
+            <a:endParaRPr lang="en-US" b="1" dirty="0">
+              <a:solidFill>
+                <a:srgbClr val="062EAB"/>
+              </a:solidFill>
+            </a:endParaRPr>
+          </a:p>
+          <a:p>
+            <a:r>
+              <a:rPr lang="en-US" b="1" dirty="0">
+                <a:solidFill>
+                  <a:srgbClr val="062EAB"/>
+                </a:solidFill>
+              </a:rPr>
+              <a:t>Narrative about her.  </a:t>
+            </a:r>
+            <a:endParaRPr lang="en-US" dirty="0">
+              <a:solidFill>
+                <a:srgbClr val="062EAB"/>
+              </a:solidFill>
+            </a:endParaRPr>
+          </a:p>
+          <a:p>
+            <a:endParaRPr lang="en-US" dirty="0">
+              <a:solidFill>
+                <a:srgbClr val="062EAB"/>
+              </a:solidFill>
+            </a:endParaRPr>
+          </a:p>
+        </p:txBody>
+      </p:sp>
+      <p:sp>
+        <p:nvSpPr>
+          <p:cNvPr id="14" name="Rounded Rectangle 13">
+            <a:extLst>
+              <a:ext uri="{FF2B5EF4-FFF2-40B4-BE49-F238E27FC236}">
+                <a16:creationId xmlns:a16="http://schemas.microsoft.com/office/drawing/2014/main" id="{682327B3-C480-EA4C-95AA-DCC034AAF5EC}"/>
+              </a:ext>
+            </a:extLst>
+          </p:cNvPr>
+          <p:cNvSpPr/>
+          <p:nvPr/>
+        </p:nvSpPr>
+        <p:spPr>
+          <a:xfrm>
+            <a:off x="5058742" y="8212077"/>
+            <a:ext cx="1884014" cy="1773315"/>
+          </a:xfrm>
+          <a:prstGeom prst="roundRect">
+            <a:avLst/>
+          </a:prstGeom>
+          <a:solidFill>
+            <a:schemeClr val="accent1">
+              <a:lumMod val="20000"/>
+              <a:lumOff val="80000"/>
+            </a:schemeClr>
+          </a:solidFill>
+        </p:spPr>
+        <p:style>
+          <a:lnRef idx="2">
+            <a:schemeClr val="accent1">
+              <a:shade val="50000"/>
+            </a:schemeClr>
+          </a:lnRef>
+          <a:fillRef idx="1">
+            <a:schemeClr val="accent1"/>
+          </a:fillRef>
+          <a:effectRef idx="0">
+            <a:schemeClr val="accent1"/>
+          </a:effectRef>
+          <a:fontRef idx="minor">
+            <a:schemeClr val="lt1"/>
+          </a:fontRef>
+        </p:style>
+        <p:txBody>
+          <a:bodyPr rtlCol="0" anchor="t"/>
+          <a:lstStyle/>
+          <a:p>
+            <a:r>
+              <a:rPr lang="en-US" b="1" dirty="0">
+                <a:solidFill>
+                  <a:srgbClr val="062EAB"/>
+                </a:solidFill>
+              </a:rPr>
+              <a:t>Case 3: Juanita Perez</a:t>
+            </a:r>
+          </a:p>
+          <a:p>
+            <a:endParaRPr lang="en-US" b="1" dirty="0">
+              <a:solidFill>
+                <a:srgbClr val="062EAB"/>
+              </a:solidFill>
+            </a:endParaRPr>
+          </a:p>
+          <a:p>
+            <a:r>
+              <a:rPr lang="en-US" b="1" dirty="0">
+                <a:solidFill>
+                  <a:srgbClr val="062EAB"/>
+                </a:solidFill>
+              </a:rPr>
+              <a:t>Narrative about her.  </a:t>
+            </a:r>
+            <a:endParaRPr lang="en-US" dirty="0">
+              <a:solidFill>
+                <a:srgbClr val="062EAB"/>
+              </a:solidFill>
+            </a:endParaRPr>
+          </a:p>
+          <a:p>
+            <a:endParaRPr lang="en-US" dirty="0">
+              <a:solidFill>
+                <a:srgbClr val="062EAB"/>
+              </a:solidFill>
+            </a:endParaRPr>
+          </a:p>
+        </p:txBody>
+      </p:sp>
+      <p:sp>
+        <p:nvSpPr>
+          <p:cNvPr id="15" name="Rounded Rectangle 14">
+            <a:extLst>
+              <a:ext uri="{FF2B5EF4-FFF2-40B4-BE49-F238E27FC236}">
+                <a16:creationId xmlns:a16="http://schemas.microsoft.com/office/drawing/2014/main" id="{2F87159A-2485-474A-AC4E-13A9D196BE79}"/>
+              </a:ext>
+            </a:extLst>
+          </p:cNvPr>
+          <p:cNvSpPr/>
+          <p:nvPr/>
+        </p:nvSpPr>
+        <p:spPr>
+          <a:xfrm>
+            <a:off x="204537" y="10127508"/>
+            <a:ext cx="6521115" cy="1921891"/>
+          </a:xfrm>
+          <a:prstGeom prst="roundRect">
+            <a:avLst/>
+          </a:prstGeom>
+          <a:solidFill>
+            <a:schemeClr val="accent1">
+              <a:lumMod val="20000"/>
+              <a:lumOff val="80000"/>
+            </a:schemeClr>
+          </a:solidFill>
+        </p:spPr>
+        <p:style>
+          <a:lnRef idx="2">
+            <a:schemeClr val="accent1">
+              <a:shade val="50000"/>
+            </a:schemeClr>
+          </a:lnRef>
+          <a:fillRef idx="1">
+            <a:schemeClr val="accent1"/>
+          </a:fillRef>
+          <a:effectRef idx="0">
+            <a:schemeClr val="accent1"/>
+          </a:effectRef>
+          <a:fontRef idx="minor">
+            <a:schemeClr val="lt1"/>
+          </a:fontRef>
+        </p:style>
+        <p:txBody>
+          <a:bodyPr rtlCol="0" anchor="t"/>
+          <a:lstStyle/>
+          <a:p>
+            <a:r>
+              <a:rPr lang="en-US" b="1" dirty="0">
+                <a:solidFill>
+                  <a:srgbClr val="062EAB"/>
+                </a:solidFill>
+              </a:rPr>
+              <a:t>Example Reports: </a:t>
+            </a:r>
+            <a:endParaRPr lang="en-US" dirty="0">
+              <a:solidFill>
+                <a:srgbClr val="062EAB"/>
+              </a:solidFill>
+            </a:endParaRPr>
+          </a:p>
+          <a:p>
+            <a:endParaRPr lang="en-US" dirty="0">
+              <a:solidFill>
+                <a:srgbClr val="062EAB"/>
+              </a:solidFill>
+            </a:endParaRPr>
+          </a:p>
+        </p:txBody>
+      </p:sp>
+      <p:sp>
+        <p:nvSpPr>
+          <p:cNvPr id="18" name="Rectangle 17">
+            <a:extLst>
+              <a:ext uri="{FF2B5EF4-FFF2-40B4-BE49-F238E27FC236}">
+                <a16:creationId xmlns:a16="http://schemas.microsoft.com/office/drawing/2014/main" id="{532F9CDB-6900-4B4B-82A5-320D0012C26A}"/>
+              </a:ext>
+            </a:extLst>
+          </p:cNvPr>
+          <p:cNvSpPr/>
+          <p:nvPr/>
+        </p:nvSpPr>
+        <p:spPr>
+          <a:xfrm>
+            <a:off x="634144" y="10520764"/>
+            <a:ext cx="3429000" cy="1200329"/>
+          </a:xfrm>
+          <a:prstGeom prst="rect">
+            <a:avLst/>
+          </a:prstGeom>
+        </p:spPr>
+        <p:txBody>
+          <a:bodyPr>
+            <a:spAutoFit/>
+          </a:bodyPr>
+          <a:lstStyle/>
+          <a:p>
+            <a:pPr fontAlgn="base">
+              <a:buFont typeface="+mj-lt"/>
+              <a:buAutoNum type="arabicPeriod"/>
+            </a:pPr>
+            <a:r>
+              <a:rPr lang="en-US" dirty="0">
+                <a:solidFill>
+                  <a:srgbClr val="595959"/>
+                </a:solidFill>
+                <a:latin typeface="Arial" panose="020B0604020202020204" pitchFamily="34" charset="0"/>
+              </a:rPr>
+              <a:t> Top X risks</a:t>
+            </a:r>
+          </a:p>
+          <a:p>
+            <a:pPr fontAlgn="base"/>
+            <a:r>
+              <a:rPr lang="en-US" dirty="0">
+                <a:solidFill>
+                  <a:srgbClr val="595959"/>
+                </a:solidFill>
+                <a:latin typeface="Arial" panose="020B0604020202020204" pitchFamily="34" charset="0"/>
+              </a:rPr>
+              <a:t>(enter the number you want and it runs the query) </a:t>
+            </a:r>
+          </a:p>
+          <a:p>
+            <a:pPr fontAlgn="base"/>
+            <a:endParaRPr lang="en-US" dirty="0"/>
+          </a:p>
+        </p:txBody>
+      </p:sp>
+      <p:sp>
+        <p:nvSpPr>
+          <p:cNvPr id="20" name="Rectangle 19">
+            <a:extLst>
+              <a:ext uri="{FF2B5EF4-FFF2-40B4-BE49-F238E27FC236}">
+                <a16:creationId xmlns:a16="http://schemas.microsoft.com/office/drawing/2014/main" id="{06973FCF-389E-4249-A9B9-A906739138BB}"/>
+              </a:ext>
+            </a:extLst>
+          </p:cNvPr>
+          <p:cNvSpPr/>
+          <p:nvPr/>
+        </p:nvSpPr>
+        <p:spPr>
+          <a:xfrm>
+            <a:off x="4063143" y="10245181"/>
+            <a:ext cx="3092115" cy="646331"/>
+          </a:xfrm>
+          <a:prstGeom prst="rect">
+            <a:avLst/>
+          </a:prstGeom>
+        </p:spPr>
+        <p:txBody>
+          <a:bodyPr wrap="square">
+            <a:spAutoFit/>
+          </a:bodyPr>
+          <a:lstStyle/>
+          <a:p>
+            <a:br>
+              <a:rPr lang="en-US" dirty="0"/>
+            </a:br>
+            <a:r>
+              <a:rPr lang="en-US" dirty="0">
+                <a:solidFill>
+                  <a:srgbClr val="595959"/>
+                </a:solidFill>
+                <a:latin typeface="Arial" panose="020B0604020202020204" pitchFamily="34" charset="0"/>
+              </a:rPr>
+              <a:t>2.  </a:t>
+            </a:r>
+            <a:endParaRPr lang="en-US" dirty="0"/>
+          </a:p>
+        </p:txBody>
+      </p:sp>
+      <p:sp>
+        <p:nvSpPr>
+          <p:cNvPr id="8" name="TextBox 7">
+            <a:extLst>
+              <a:ext uri="{FF2B5EF4-FFF2-40B4-BE49-F238E27FC236}">
+                <a16:creationId xmlns:a16="http://schemas.microsoft.com/office/drawing/2014/main" id="{6F1714FC-8B49-E740-8D6A-A40034212709}"/>
+              </a:ext>
+            </a:extLst>
+          </p:cNvPr>
+          <p:cNvSpPr txBox="1"/>
+          <p:nvPr/>
+        </p:nvSpPr>
+        <p:spPr>
+          <a:xfrm>
+            <a:off x="4423196" y="5039906"/>
+            <a:ext cx="980908" cy="369332"/>
+          </a:xfrm>
+          <a:prstGeom prst="rect">
+            <a:avLst/>
+          </a:prstGeom>
+          <a:solidFill>
+            <a:schemeClr val="tx2"/>
+          </a:solidFill>
+        </p:spPr>
+        <p:txBody>
+          <a:bodyPr wrap="square" rtlCol="0">
+            <a:spAutoFit/>
+          </a:bodyPr>
+          <a:lstStyle/>
+          <a:p>
+            <a:r>
+              <a:rPr lang="en-US" dirty="0">
+                <a:solidFill>
+                  <a:schemeClr val="bg1"/>
+                </a:solidFill>
+              </a:rPr>
+              <a:t>Submit</a:t>
             </a:r>
           </a:p>
         </p:txBody>
@@ -7138,7 +6879,7 @@
     </p:spTree>
     <p:extLst>
       <p:ext uri="{BB962C8B-B14F-4D97-AF65-F5344CB8AC3E}">
-        <p14:creationId xmlns:p14="http://schemas.microsoft.com/office/powerpoint/2010/main" val="936669348"/>
+        <p14:creationId xmlns:p14="http://schemas.microsoft.com/office/powerpoint/2010/main" val="4051795244"/>
       </p:ext>
     </p:extLst>
   </p:cSld>
@@ -7286,13 +7027,67 @@
                   <a:srgbClr val="062EAB"/>
                 </a:solidFill>
               </a:rPr>
-              <a:t>Data Deep Dive Visualization</a:t>
+              <a:t>The Machine Learning Model</a:t>
             </a:r>
             <a:endParaRPr lang="en-US" i="1" dirty="0">
               <a:solidFill>
                 <a:srgbClr val="062EAB"/>
               </a:solidFill>
             </a:endParaRPr>
+          </a:p>
+        </p:txBody>
+      </p:sp>
+      <p:sp>
+        <p:nvSpPr>
+          <p:cNvPr id="6" name="Rectangle 5">
+            <a:extLst>
+              <a:ext uri="{FF2B5EF4-FFF2-40B4-BE49-F238E27FC236}">
+                <a16:creationId xmlns:a16="http://schemas.microsoft.com/office/drawing/2014/main" id="{A678DB2F-D068-D34B-941C-1D6FCD7536F4}"/>
+              </a:ext>
+            </a:extLst>
+          </p:cNvPr>
+          <p:cNvSpPr/>
+          <p:nvPr/>
+        </p:nvSpPr>
+        <p:spPr>
+          <a:xfrm>
+            <a:off x="4619432" y="10455359"/>
+            <a:ext cx="1980094" cy="369332"/>
+          </a:xfrm>
+          <a:prstGeom prst="rect">
+            <a:avLst/>
+          </a:prstGeom>
+        </p:spPr>
+        <p:txBody>
+          <a:bodyPr wrap="none">
+            <a:spAutoFit/>
+          </a:bodyPr>
+          <a:lstStyle/>
+          <a:p>
+            <a:r>
+              <a:rPr lang="en-US" dirty="0">
+                <a:solidFill>
+                  <a:srgbClr val="062EAB"/>
+                </a:solidFill>
+              </a:rPr>
+              <a:t>(</a:t>
+            </a:r>
+            <a:r>
+              <a:rPr lang="en-US" baseline="30000" dirty="0">
+                <a:solidFill>
+                  <a:srgbClr val="062EAB"/>
+                </a:solidFill>
+              </a:rPr>
+              <a:t>1 </a:t>
+            </a:r>
+            <a:r>
+              <a:rPr lang="en-US" dirty="0">
+                <a:solidFill>
+                  <a:srgbClr val="062EAB"/>
+                </a:solidFill>
+              </a:rPr>
+              <a:t>full citation here)</a:t>
+            </a:r>
           </a:p>
         </p:txBody>
       </p:sp>
@@ -7310,8 +7105,8 @@
         </p:nvSpPr>
         <p:spPr>
           <a:xfrm>
-            <a:off x="571500" y="5313436"/>
-            <a:ext cx="6154152" cy="646331"/>
+            <a:off x="351924" y="1975025"/>
+            <a:ext cx="6154152" cy="1200329"/>
           </a:xfrm>
           <a:prstGeom prst="rect">
             <a:avLst/>
@@ -7329,17 +7124,49 @@
                   <a:srgbClr val="062EAB"/>
                 </a:solidFill>
               </a:rPr>
-              <a:t>Ken Note: the tableau story embedded here. Summary text is built into the tableau story</a:t>
+              <a:t>Ken Note: Ideally, this is the Google </a:t>
+            </a:r>
+            <a:r>
+              <a:rPr lang="en-US" dirty="0" err="1">
+                <a:solidFill>
+                  <a:srgbClr val="062EAB"/>
+                </a:solidFill>
+              </a:rPr>
+              <a:t>Colab</a:t>
+            </a:r>
+            <a:r>
+              <a:rPr lang="en-US" dirty="0">
+                <a:solidFill>
+                  <a:srgbClr val="062EAB"/>
+                </a:solidFill>
+              </a:rPr>
+              <a:t> embedded directly into the site, if that can be done, a little like the example we saw in Kaggle. If not, I’ll build it with screen shots. We’ll need the </a:t>
+            </a:r>
+            <a:r>
+              <a:rPr lang="en-US" dirty="0" err="1">
+                <a:solidFill>
+                  <a:srgbClr val="062EAB"/>
+                </a:solidFill>
+              </a:rPr>
+              <a:t>Colab</a:t>
+            </a:r>
+            <a:r>
+              <a:rPr lang="en-US" dirty="0">
+                <a:solidFill>
+                  <a:srgbClr val="062EAB"/>
+                </a:solidFill>
+              </a:rPr>
+              <a:t> doc to be well documented with explanations etc. </a:t>
             </a:r>
           </a:p>
         </p:txBody>
       </p:sp>
       <p:pic>
         <p:nvPicPr>
-          <p:cNvPr id="2" name="Picture 1">
+          <p:cNvPr id="8" name="Picture 7">
             <a:extLst>
               <a:ext uri="{FF2B5EF4-FFF2-40B4-BE49-F238E27FC236}">
-                <a16:creationId xmlns:a16="http://schemas.microsoft.com/office/drawing/2014/main" id="{E562B1CD-6A0B-E445-95D5-99E918A3EFE5}"/>
+                <a16:creationId xmlns:a16="http://schemas.microsoft.com/office/drawing/2014/main" id="{2AF5B352-9978-344E-A4EA-153D1D1B48C2}"/>
               </a:ext>
             </a:extLst>
           </p:cNvPr>
@@ -7356,8 +7183,8 @@
         </p:blipFill>
         <p:spPr>
           <a:xfrm>
-            <a:off x="0" y="1912519"/>
-            <a:ext cx="6858000" cy="3290654"/>
+            <a:off x="0" y="3582042"/>
+            <a:ext cx="6858000" cy="7954385"/>
           </a:xfrm>
           <a:prstGeom prst="rect">
             <a:avLst/>
@@ -7366,10 +7193,10 @@
       </p:pic>
       <p:sp>
         <p:nvSpPr>
-          <p:cNvPr id="9" name="Rectangle 8">
+          <p:cNvPr id="12" name="Rectangle 11">
             <a:extLst>
               <a:ext uri="{FF2B5EF4-FFF2-40B4-BE49-F238E27FC236}">
-                <a16:creationId xmlns:a16="http://schemas.microsoft.com/office/drawing/2014/main" id="{959D0557-341A-7D4C-B2F4-E96F734E62B0}"/>
+                <a16:creationId xmlns:a16="http://schemas.microsoft.com/office/drawing/2014/main" id="{CB2C140E-AD2D-244D-85BB-D1CA8CA59928}"/>
               </a:ext>
             </a:extLst>
           </p:cNvPr>
@@ -7378,7 +7205,7 @@
         </p:nvSpPr>
         <p:spPr>
           <a:xfrm>
-            <a:off x="0" y="9720951"/>
+            <a:off x="0" y="11678800"/>
             <a:ext cx="6858000" cy="513200"/>
           </a:xfrm>
           <a:prstGeom prst="rect">
@@ -7426,7 +7253,7 @@
     </p:spTree>
     <p:extLst>
       <p:ext uri="{BB962C8B-B14F-4D97-AF65-F5344CB8AC3E}">
-        <p14:creationId xmlns:p14="http://schemas.microsoft.com/office/powerpoint/2010/main" val="689682959"/>
+        <p14:creationId xmlns:p14="http://schemas.microsoft.com/office/powerpoint/2010/main" val="936669348"/>
       </p:ext>
     </p:extLst>
   </p:cSld>
@@ -7574,6 +7401,294 @@
                   <a:srgbClr val="062EAB"/>
                 </a:solidFill>
               </a:rPr>
+              <a:t>Data Deep Dive Visualization</a:t>
+            </a:r>
+            <a:endParaRPr lang="en-US" i="1" dirty="0">
+              <a:solidFill>
+                <a:srgbClr val="062EAB"/>
+              </a:solidFill>
+            </a:endParaRPr>
+          </a:p>
+        </p:txBody>
+      </p:sp>
+      <p:sp>
+        <p:nvSpPr>
+          <p:cNvPr id="7" name="Rectangle 6">
+            <a:extLst>
+              <a:ext uri="{FF2B5EF4-FFF2-40B4-BE49-F238E27FC236}">
+                <a16:creationId xmlns:a16="http://schemas.microsoft.com/office/drawing/2014/main" id="{315F7AEE-3A4C-1340-B069-A6BF5F592677}"/>
+              </a:ext>
+            </a:extLst>
+          </p:cNvPr>
+          <p:cNvSpPr/>
+          <p:nvPr/>
+        </p:nvSpPr>
+        <p:spPr>
+          <a:xfrm>
+            <a:off x="571500" y="5313436"/>
+            <a:ext cx="6154152" cy="646331"/>
+          </a:xfrm>
+          <a:prstGeom prst="rect">
+            <a:avLst/>
+          </a:prstGeom>
+        </p:spPr>
+        <p:txBody>
+          <a:bodyPr wrap="square">
+            <a:spAutoFit/>
+          </a:bodyPr>
+          <a:lstStyle/>
+          <a:p>
+            <a:r>
+              <a:rPr lang="en-US" dirty="0">
+                <a:solidFill>
+                  <a:srgbClr val="062EAB"/>
+                </a:solidFill>
+              </a:rPr>
+              <a:t>Ken Note: the tableau story embedded here. Summary text is built into the tableau story</a:t>
+            </a:r>
+          </a:p>
+        </p:txBody>
+      </p:sp>
+      <p:pic>
+        <p:nvPicPr>
+          <p:cNvPr id="2" name="Picture 1">
+            <a:extLst>
+              <a:ext uri="{FF2B5EF4-FFF2-40B4-BE49-F238E27FC236}">
+                <a16:creationId xmlns:a16="http://schemas.microsoft.com/office/drawing/2014/main" id="{E562B1CD-6A0B-E445-95D5-99E918A3EFE5}"/>
+              </a:ext>
+            </a:extLst>
+          </p:cNvPr>
+          <p:cNvPicPr>
+            <a:picLocks noChangeAspect="1"/>
+          </p:cNvPicPr>
+          <p:nvPr/>
+        </p:nvPicPr>
+        <p:blipFill>
+          <a:blip r:embed="rId4"/>
+          <a:stretch>
+            <a:fillRect/>
+          </a:stretch>
+        </p:blipFill>
+        <p:spPr>
+          <a:xfrm>
+            <a:off x="0" y="1912519"/>
+            <a:ext cx="6858000" cy="3290654"/>
+          </a:xfrm>
+          <a:prstGeom prst="rect">
+            <a:avLst/>
+          </a:prstGeom>
+        </p:spPr>
+      </p:pic>
+      <p:sp>
+        <p:nvSpPr>
+          <p:cNvPr id="9" name="Rectangle 8">
+            <a:extLst>
+              <a:ext uri="{FF2B5EF4-FFF2-40B4-BE49-F238E27FC236}">
+                <a16:creationId xmlns:a16="http://schemas.microsoft.com/office/drawing/2014/main" id="{959D0557-341A-7D4C-B2F4-E96F734E62B0}"/>
+              </a:ext>
+            </a:extLst>
+          </p:cNvPr>
+          <p:cNvSpPr/>
+          <p:nvPr/>
+        </p:nvSpPr>
+        <p:spPr>
+          <a:xfrm>
+            <a:off x="0" y="9720951"/>
+            <a:ext cx="6858000" cy="513200"/>
+          </a:xfrm>
+          <a:prstGeom prst="rect">
+            <a:avLst/>
+          </a:prstGeom>
+          <a:solidFill>
+            <a:schemeClr val="tx1">
+              <a:lumMod val="50000"/>
+              <a:lumOff val="50000"/>
+            </a:schemeClr>
+          </a:solidFill>
+        </p:spPr>
+        <p:style>
+          <a:lnRef idx="2">
+            <a:schemeClr val="accent1">
+              <a:shade val="50000"/>
+            </a:schemeClr>
+          </a:lnRef>
+          <a:fillRef idx="1">
+            <a:schemeClr val="accent1"/>
+          </a:fillRef>
+          <a:effectRef idx="0">
+            <a:schemeClr val="accent1"/>
+          </a:effectRef>
+          <a:fontRef idx="minor">
+            <a:schemeClr val="lt1"/>
+          </a:fontRef>
+        </p:style>
+        <p:txBody>
+          <a:bodyPr rtlCol="0" anchor="ctr"/>
+          <a:lstStyle/>
+          <a:p>
+            <a:pPr>
+              <a:tabLst>
+                <a:tab pos="6624638" algn="r"/>
+              </a:tabLst>
+            </a:pPr>
+            <a:r>
+              <a:rPr lang="en-US" sz="1400" dirty="0"/>
+              <a:t>Copyright 2021	</a:t>
+            </a:r>
+          </a:p>
+        </p:txBody>
+      </p:sp>
+    </p:spTree>
+    <p:extLst>
+      <p:ext uri="{BB962C8B-B14F-4D97-AF65-F5344CB8AC3E}">
+        <p14:creationId xmlns:p14="http://schemas.microsoft.com/office/powerpoint/2010/main" val="689682959"/>
+      </p:ext>
+    </p:extLst>
+  </p:cSld>
+  <p:clrMapOvr>
+    <a:masterClrMapping/>
+  </p:clrMapOvr>
+</p:sld>
+</file>
+
+<file path=ppt/slides/slide7.xml><?xml version="1.0" encoding="utf-8"?>
+<p:sld xmlns:a="http://schemas.openxmlformats.org/drawingml/2006/main" xmlns:r="http://schemas.openxmlformats.org/officeDocument/2006/relationships" xmlns:p="http://schemas.openxmlformats.org/presentationml/2006/main">
+  <p:cSld>
+    <p:spTree>
+      <p:nvGrpSpPr>
+        <p:cNvPr id="1" name=""/>
+        <p:cNvGrpSpPr/>
+        <p:nvPr/>
+      </p:nvGrpSpPr>
+      <p:grpSpPr>
+        <a:xfrm>
+          <a:off x="0" y="0"/>
+          <a:ext cx="0" cy="0"/>
+          <a:chOff x="0" y="0"/>
+          <a:chExt cx="0" cy="0"/>
+        </a:xfrm>
+      </p:grpSpPr>
+      <p:pic>
+        <p:nvPicPr>
+          <p:cNvPr id="5" name="Picture 4">
+            <a:extLst>
+              <a:ext uri="{FF2B5EF4-FFF2-40B4-BE49-F238E27FC236}">
+                <a16:creationId xmlns:a16="http://schemas.microsoft.com/office/drawing/2014/main" id="{0F60B602-8AF9-304F-B78C-FF393B114832}"/>
+              </a:ext>
+            </a:extLst>
+          </p:cNvPr>
+          <p:cNvPicPr>
+            <a:picLocks noChangeAspect="1"/>
+          </p:cNvPicPr>
+          <p:nvPr/>
+        </p:nvPicPr>
+        <p:blipFill>
+          <a:blip r:embed="rId3"/>
+          <a:stretch>
+            <a:fillRect/>
+          </a:stretch>
+        </p:blipFill>
+        <p:spPr>
+          <a:xfrm>
+            <a:off x="0" y="14177"/>
+            <a:ext cx="6858000" cy="641396"/>
+          </a:xfrm>
+          <a:prstGeom prst="rect">
+            <a:avLst/>
+          </a:prstGeom>
+        </p:spPr>
+      </p:pic>
+      <p:sp>
+        <p:nvSpPr>
+          <p:cNvPr id="19" name="Rectangle 18">
+            <a:extLst>
+              <a:ext uri="{FF2B5EF4-FFF2-40B4-BE49-F238E27FC236}">
+                <a16:creationId xmlns:a16="http://schemas.microsoft.com/office/drawing/2014/main" id="{E5780C2C-F6E5-874A-87D5-934F077EAF40}"/>
+              </a:ext>
+            </a:extLst>
+          </p:cNvPr>
+          <p:cNvSpPr/>
+          <p:nvPr/>
+        </p:nvSpPr>
+        <p:spPr>
+          <a:xfrm>
+            <a:off x="0" y="655573"/>
+            <a:ext cx="6858000" cy="513200"/>
+          </a:xfrm>
+          <a:prstGeom prst="rect">
+            <a:avLst/>
+          </a:prstGeom>
+          <a:solidFill>
+            <a:srgbClr val="062EAB"/>
+          </a:solidFill>
+        </p:spPr>
+        <p:style>
+          <a:lnRef idx="2">
+            <a:schemeClr val="accent1">
+              <a:shade val="50000"/>
+            </a:schemeClr>
+          </a:lnRef>
+          <a:fillRef idx="1">
+            <a:schemeClr val="accent1"/>
+          </a:fillRef>
+          <a:effectRef idx="0">
+            <a:schemeClr val="accent1"/>
+          </a:effectRef>
+          <a:fontRef idx="minor">
+            <a:schemeClr val="lt1"/>
+          </a:fontRef>
+        </p:style>
+        <p:txBody>
+          <a:bodyPr rtlCol="0" anchor="ctr"/>
+          <a:lstStyle/>
+          <a:p>
+            <a:pPr>
+              <a:tabLst>
+                <a:tab pos="6624638" algn="r"/>
+              </a:tabLst>
+            </a:pPr>
+            <a:r>
+              <a:rPr lang="en-US" sz="1400" dirty="0"/>
+              <a:t>Overview	                                    Demo       About the App       Contact</a:t>
+            </a:r>
+          </a:p>
+        </p:txBody>
+      </p:sp>
+      <p:sp>
+        <p:nvSpPr>
+          <p:cNvPr id="29" name="TextBox 28">
+            <a:extLst>
+              <a:ext uri="{FF2B5EF4-FFF2-40B4-BE49-F238E27FC236}">
+                <a16:creationId xmlns:a16="http://schemas.microsoft.com/office/drawing/2014/main" id="{FF563A47-1656-EA46-A857-E25EB793082A}"/>
+              </a:ext>
+            </a:extLst>
+          </p:cNvPr>
+          <p:cNvSpPr txBox="1"/>
+          <p:nvPr/>
+        </p:nvSpPr>
+        <p:spPr>
+          <a:xfrm>
+            <a:off x="445168" y="1279036"/>
+            <a:ext cx="6280484" cy="523220"/>
+          </a:xfrm>
+          <a:prstGeom prst="rect">
+            <a:avLst/>
+          </a:prstGeom>
+          <a:noFill/>
+        </p:spPr>
+        <p:txBody>
+          <a:bodyPr wrap="square" rtlCol="0">
+            <a:spAutoFit/>
+          </a:bodyPr>
+          <a:lstStyle/>
+          <a:p>
+            <a:pPr algn="ctr"/>
+            <a:r>
+              <a:rPr lang="en-US" sz="2800" b="1" dirty="0">
+                <a:solidFill>
+                  <a:srgbClr val="062EAB"/>
+                </a:solidFill>
+              </a:rPr>
               <a:t>The IBM Data Source</a:t>
             </a:r>
             <a:endParaRPr lang="en-US" i="1" dirty="0">
@@ -7689,7 +7804,7 @@
 </p:sld>
 </file>
 
-<file path=ppt/slides/slide7.xml><?xml version="1.0" encoding="utf-8"?>
+<file path=ppt/slides/slide8.xml><?xml version="1.0" encoding="utf-8"?>
 <p:sld xmlns:a="http://schemas.openxmlformats.org/drawingml/2006/main" xmlns:r="http://schemas.openxmlformats.org/officeDocument/2006/relationships" xmlns:p="http://schemas.openxmlformats.org/presentationml/2006/main">
   <p:cSld>
     <p:spTree>
